--- a/trabalho_disciplina/Apresentacao_trabalho.pptx
+++ b/trabalho_disciplina/Apresentacao_trabalho.pptx
@@ -39,9 +39,7 @@
     <p:sldId id="289" r:id="rId33"/>
     <p:sldId id="291" r:id="rId34"/>
     <p:sldId id="292" r:id="rId35"/>
-    <p:sldId id="294" r:id="rId36"/>
-    <p:sldId id="295" r:id="rId37"/>
-    <p:sldId id="293" r:id="rId38"/>
+    <p:sldId id="293" r:id="rId36"/>
   </p:sldIdLst>
   <p:sldSz cx="12192000" cy="6858000"/>
   <p:notesSz cx="6858000" cy="9144000"/>
@@ -3213,36 +3211,36 @@
           <p:nvPr>
             <p:extLst>
               <p:ext uri="{D42A27DB-BD31-4B8C-83A1-F6EECF244321}">
-                <p14:modId xmlns:p14="http://schemas.microsoft.com/office/powerpoint/2010/main" val="2240837850"/>
+                <p14:modId xmlns:p14="http://schemas.microsoft.com/office/powerpoint/2010/main" val="696131061"/>
               </p:ext>
             </p:extLst>
           </p:nvPr>
         </p:nvGraphicFramePr>
         <p:xfrm>
-          <a:off x="980583" y="1537028"/>
-          <a:ext cx="7505700" cy="3129280"/>
+          <a:off x="1881751" y="1671992"/>
+          <a:ext cx="8428498" cy="3514016"/>
         </p:xfrm>
         <a:graphic>
           <a:graphicData uri="http://schemas.openxmlformats.org/drawingml/2006/table">
             <a:tbl>
               <a:tblPr/>
               <a:tblGrid>
-                <a:gridCol w="3441700"/>
-                <a:gridCol w="762000"/>
-                <a:gridCol w="825500"/>
-                <a:gridCol w="825500"/>
-                <a:gridCol w="825500"/>
-                <a:gridCol w="825500"/>
+                <a:gridCol w="3864845"/>
+                <a:gridCol w="855685"/>
+                <a:gridCol w="926992"/>
+                <a:gridCol w="926992"/>
+                <a:gridCol w="926992"/>
+                <a:gridCol w="926992"/>
               </a:tblGrid>
-              <a:tr h="190500">
-                <a:tc>
-                  <a:txBody>
-                    <a:bodyPr/>
-                    <a:lstStyle/>
-                    <a:p>
-                      <a:pPr algn="l" fontAlgn="b"/>
-                      <a:r>
-                        <a:rPr lang="en-US" sz="1200" b="0" i="0" u="none" strike="noStrike" dirty="0">
+              <a:tr h="219626">
+                <a:tc>
+                  <a:txBody>
+                    <a:bodyPr/>
+                    <a:lstStyle/>
+                    <a:p>
+                      <a:pPr algn="l" fontAlgn="b"/>
+                      <a:r>
+                        <a:rPr lang="en-US" sz="1300" b="0" i="0" u="none" strike="noStrike" dirty="0">
                           <a:solidFill>
                             <a:srgbClr val="000000"/>
                           </a:solidFill>
@@ -3253,7 +3251,7 @@
                       </a:r>
                     </a:p>
                   </a:txBody>
-                  <a:tcPr marL="12700" marR="12700" marT="12700" marB="0" anchor="b">
+                  <a:tcPr marL="14261" marR="14261" marT="14261" marB="0" anchor="b">
                     <a:lnL w="6350" cap="flat" cmpd="sng" algn="ctr">
                       <a:solidFill>
                         <a:srgbClr val="000000"/>
@@ -3299,7 +3297,7 @@
                     <a:p>
                       <a:pPr algn="l" fontAlgn="b"/>
                       <a:r>
-                        <a:rPr lang="en-US" sz="1200" b="1" i="0" u="none" strike="noStrike" dirty="0">
+                        <a:rPr lang="en-US" sz="1300" b="1" i="0" u="none" strike="noStrike" dirty="0">
                           <a:solidFill>
                             <a:srgbClr val="000000"/>
                           </a:solidFill>
@@ -3310,7 +3308,7 @@
                       </a:r>
                     </a:p>
                   </a:txBody>
-                  <a:tcPr marL="12700" marR="12700" marT="12700" marB="0" anchor="b">
+                  <a:tcPr marL="14261" marR="14261" marT="14261" marB="0" anchor="b">
                     <a:lnL w="6350" cap="flat" cmpd="sng" algn="ctr">
                       <a:solidFill>
                         <a:srgbClr val="000000"/>
@@ -3356,7 +3354,7 @@
                     <a:p>
                       <a:pPr algn="l" fontAlgn="b"/>
                       <a:r>
-                        <a:rPr lang="en-US" sz="1200" b="1" i="0" u="none" strike="noStrike" dirty="0">
+                        <a:rPr lang="en-US" sz="1300" b="1" i="0" u="none" strike="noStrike" dirty="0">
                           <a:solidFill>
                             <a:srgbClr val="000000"/>
                           </a:solidFill>
@@ -3367,7 +3365,7 @@
                       </a:r>
                     </a:p>
                   </a:txBody>
-                  <a:tcPr marL="12700" marR="12700" marT="12700" marB="0" anchor="b">
+                  <a:tcPr marL="14261" marR="14261" marT="14261" marB="0" anchor="b">
                     <a:lnL w="6350" cap="flat" cmpd="sng" algn="ctr">
                       <a:solidFill>
                         <a:srgbClr val="000000"/>
@@ -3413,7 +3411,7 @@
                     <a:p>
                       <a:pPr algn="l" fontAlgn="b"/>
                       <a:r>
-                        <a:rPr lang="en-US" sz="1200" b="1" i="0" u="none" strike="noStrike" dirty="0">
+                        <a:rPr lang="en-US" sz="1300" b="1" i="0" u="none" strike="noStrike" dirty="0">
                           <a:solidFill>
                             <a:srgbClr val="000000"/>
                           </a:solidFill>
@@ -3424,7 +3422,7 @@
                       </a:r>
                     </a:p>
                   </a:txBody>
-                  <a:tcPr marL="12700" marR="12700" marT="12700" marB="0" anchor="b">
+                  <a:tcPr marL="14261" marR="14261" marT="14261" marB="0" anchor="b">
                     <a:lnL w="6350" cap="flat" cmpd="sng" algn="ctr">
                       <a:solidFill>
                         <a:srgbClr val="000000"/>
@@ -3470,7 +3468,7 @@
                     <a:p>
                       <a:pPr algn="l" fontAlgn="b"/>
                       <a:r>
-                        <a:rPr lang="en-US" sz="1200" b="1" i="0" u="none" strike="noStrike" dirty="0">
+                        <a:rPr lang="en-US" sz="1300" b="1" i="0" u="none" strike="noStrike" dirty="0">
                           <a:solidFill>
                             <a:srgbClr val="000000"/>
                           </a:solidFill>
@@ -3481,7 +3479,7 @@
                       </a:r>
                     </a:p>
                   </a:txBody>
-                  <a:tcPr marL="12700" marR="12700" marT="12700" marB="0" anchor="b">
+                  <a:tcPr marL="14261" marR="14261" marT="14261" marB="0" anchor="b">
                     <a:lnL w="6350" cap="flat" cmpd="sng" algn="ctr">
                       <a:solidFill>
                         <a:srgbClr val="000000"/>
@@ -3527,7 +3525,7 @@
                     <a:p>
                       <a:pPr algn="l" fontAlgn="b"/>
                       <a:r>
-                        <a:rPr lang="en-US" sz="1200" b="0" i="0" u="none" strike="noStrike" dirty="0">
+                        <a:rPr lang="en-US" sz="1300" b="0" i="0" u="none" strike="noStrike" dirty="0">
                           <a:solidFill>
                             <a:srgbClr val="000000"/>
                           </a:solidFill>
@@ -3538,7 +3536,7 @@
                       </a:r>
                     </a:p>
                   </a:txBody>
-                  <a:tcPr marL="12700" marR="12700" marT="12700" marB="0" anchor="b">
+                  <a:tcPr marL="14261" marR="14261" marT="14261" marB="0" anchor="b">
                     <a:lnL w="6350" cap="flat" cmpd="sng" algn="ctr">
                       <a:solidFill>
                         <a:srgbClr val="000000"/>
@@ -3578,15 +3576,15 @@
                   </a:tcPr>
                 </a:tc>
               </a:tr>
-              <a:tr h="190500">
-                <a:tc>
-                  <a:txBody>
-                    <a:bodyPr/>
-                    <a:lstStyle/>
-                    <a:p>
-                      <a:pPr algn="l" fontAlgn="b"/>
-                      <a:r>
-                        <a:rPr lang="en-US" sz="1200" b="0" i="0" u="none" strike="noStrike" dirty="0">
+              <a:tr h="219626">
+                <a:tc>
+                  <a:txBody>
+                    <a:bodyPr/>
+                    <a:lstStyle/>
+                    <a:p>
+                      <a:pPr algn="l" fontAlgn="b"/>
+                      <a:r>
+                        <a:rPr lang="en-US" sz="1300" b="0" i="0" u="none" strike="noStrike" dirty="0">
                           <a:solidFill>
                             <a:srgbClr val="000000"/>
                           </a:solidFill>
@@ -3597,7 +3595,7 @@
                       </a:r>
                     </a:p>
                   </a:txBody>
-                  <a:tcPr marL="12700" marR="12700" marT="12700" marB="0" anchor="b">
+                  <a:tcPr marL="14261" marR="14261" marT="14261" marB="0" anchor="b">
                     <a:lnL w="6350" cap="flat" cmpd="sng" algn="ctr">
                       <a:solidFill>
                         <a:srgbClr val="000000"/>
@@ -3643,7 +3641,7 @@
                     <a:p>
                       <a:pPr algn="r" fontAlgn="b"/>
                       <a:r>
-                        <a:rPr lang="en-US" sz="1200" b="0" i="0" u="none" strike="noStrike" dirty="0">
+                        <a:rPr lang="en-US" sz="1300" b="0" i="0" u="none" strike="noStrike" dirty="0">
                           <a:solidFill>
                             <a:srgbClr val="000000"/>
                           </a:solidFill>
@@ -3654,7 +3652,7 @@
                       </a:r>
                     </a:p>
                   </a:txBody>
-                  <a:tcPr marL="12700" marR="12700" marT="12700" marB="0" anchor="b">
+                  <a:tcPr marL="14261" marR="14261" marT="14261" marB="0" anchor="b">
                     <a:lnL w="6350" cap="flat" cmpd="sng" algn="ctr">
                       <a:solidFill>
                         <a:srgbClr val="000000"/>
@@ -3700,7 +3698,7 @@
                     <a:p>
                       <a:pPr algn="r" fontAlgn="b"/>
                       <a:r>
-                        <a:rPr lang="en-US" sz="1200" b="0" i="0" u="none" strike="noStrike" dirty="0">
+                        <a:rPr lang="en-US" sz="1300" b="0" i="0" u="none" strike="noStrike" dirty="0">
                           <a:solidFill>
                             <a:srgbClr val="000000"/>
                           </a:solidFill>
@@ -3711,7 +3709,7 @@
                       </a:r>
                     </a:p>
                   </a:txBody>
-                  <a:tcPr marL="12700" marR="12700" marT="12700" marB="0" anchor="b">
+                  <a:tcPr marL="14261" marR="14261" marT="14261" marB="0" anchor="b">
                     <a:lnL w="6350" cap="flat" cmpd="sng" algn="ctr">
                       <a:solidFill>
                         <a:srgbClr val="000000"/>
@@ -3757,7 +3755,7 @@
                     <a:p>
                       <a:pPr algn="r" fontAlgn="b"/>
                       <a:r>
-                        <a:rPr lang="en-US" sz="1200" b="0" i="0" u="none" strike="noStrike" dirty="0">
+                        <a:rPr lang="en-US" sz="1300" b="0" i="0" u="none" strike="noStrike" dirty="0">
                           <a:solidFill>
                             <a:srgbClr val="000000"/>
                           </a:solidFill>
@@ -3768,7 +3766,7 @@
                       </a:r>
                     </a:p>
                   </a:txBody>
-                  <a:tcPr marL="12700" marR="12700" marT="12700" marB="0" anchor="b">
+                  <a:tcPr marL="14261" marR="14261" marT="14261" marB="0" anchor="b">
                     <a:lnL w="6350" cap="flat" cmpd="sng" algn="ctr">
                       <a:solidFill>
                         <a:srgbClr val="000000"/>
@@ -3814,7 +3812,7 @@
                     <a:p>
                       <a:pPr algn="r" fontAlgn="b"/>
                       <a:r>
-                        <a:rPr lang="en-US" sz="1200" b="0" i="0" u="none" strike="noStrike" dirty="0">
+                        <a:rPr lang="en-US" sz="1300" b="0" i="0" u="none" strike="noStrike" dirty="0">
                           <a:solidFill>
                             <a:srgbClr val="000000"/>
                           </a:solidFill>
@@ -3825,7 +3823,7 @@
                       </a:r>
                     </a:p>
                   </a:txBody>
-                  <a:tcPr marL="12700" marR="12700" marT="12700" marB="0" anchor="b">
+                  <a:tcPr marL="14261" marR="14261" marT="14261" marB="0" anchor="b">
                     <a:lnL w="6350" cap="flat" cmpd="sng" algn="ctr">
                       <a:solidFill>
                         <a:srgbClr val="000000"/>
@@ -3871,7 +3869,7 @@
                     <a:p>
                       <a:pPr algn="l" fontAlgn="b"/>
                       <a:r>
-                        <a:rPr lang="en-US" sz="1200" b="0" i="0" u="none" strike="noStrike" dirty="0">
+                        <a:rPr lang="en-US" sz="1300" b="0" i="0" u="none" strike="noStrike" dirty="0">
                           <a:solidFill>
                             <a:srgbClr val="000000"/>
                           </a:solidFill>
@@ -3882,7 +3880,7 @@
                       </a:r>
                     </a:p>
                   </a:txBody>
-                  <a:tcPr marL="12700" marR="12700" marT="12700" marB="0" anchor="b">
+                  <a:tcPr marL="14261" marR="14261" marT="14261" marB="0" anchor="b">
                     <a:lnL w="6350" cap="flat" cmpd="sng" algn="ctr">
                       <a:solidFill>
                         <a:srgbClr val="000000"/>
@@ -3922,15 +3920,15 @@
                   </a:tcPr>
                 </a:tc>
               </a:tr>
-              <a:tr h="190500">
-                <a:tc>
-                  <a:txBody>
-                    <a:bodyPr/>
-                    <a:lstStyle/>
-                    <a:p>
-                      <a:pPr algn="l" fontAlgn="b"/>
-                      <a:r>
-                        <a:rPr lang="en-US" sz="1200" b="0" i="0" u="none" strike="noStrike" dirty="0">
+              <a:tr h="219626">
+                <a:tc>
+                  <a:txBody>
+                    <a:bodyPr/>
+                    <a:lstStyle/>
+                    <a:p>
+                      <a:pPr algn="l" fontAlgn="b"/>
+                      <a:r>
+                        <a:rPr lang="en-US" sz="1300" b="0" i="0" u="none" strike="noStrike" dirty="0">
                           <a:solidFill>
                             <a:srgbClr val="000000"/>
                           </a:solidFill>
@@ -3941,7 +3939,7 @@
                       </a:r>
                     </a:p>
                   </a:txBody>
-                  <a:tcPr marL="12700" marR="12700" marT="12700" marB="0" anchor="b">
+                  <a:tcPr marL="14261" marR="14261" marT="14261" marB="0" anchor="b">
                     <a:lnL w="6350" cap="flat" cmpd="sng" algn="ctr">
                       <a:solidFill>
                         <a:srgbClr val="000000"/>
@@ -3987,7 +3985,7 @@
                     <a:p>
                       <a:pPr algn="r" fontAlgn="b"/>
                       <a:r>
-                        <a:rPr lang="en-US" sz="1200" b="0" i="0" u="none" strike="noStrike" dirty="0">
+                        <a:rPr lang="en-US" sz="1300" b="0" i="0" u="none" strike="noStrike" dirty="0">
                           <a:solidFill>
                             <a:srgbClr val="000000"/>
                           </a:solidFill>
@@ -3998,7 +3996,7 @@
                       </a:r>
                     </a:p>
                   </a:txBody>
-                  <a:tcPr marL="12700" marR="12700" marT="12700" marB="0" anchor="b">
+                  <a:tcPr marL="14261" marR="14261" marT="14261" marB="0" anchor="b">
                     <a:lnL w="6350" cap="flat" cmpd="sng" algn="ctr">
                       <a:solidFill>
                         <a:srgbClr val="000000"/>
@@ -4044,7 +4042,7 @@
                     <a:p>
                       <a:pPr algn="r" fontAlgn="b"/>
                       <a:r>
-                        <a:rPr lang="en-US" sz="1200" b="0" i="0" u="none" strike="noStrike" dirty="0">
+                        <a:rPr lang="en-US" sz="1300" b="0" i="0" u="none" strike="noStrike" dirty="0">
                           <a:solidFill>
                             <a:srgbClr val="000000"/>
                           </a:solidFill>
@@ -4055,7 +4053,7 @@
                       </a:r>
                     </a:p>
                   </a:txBody>
-                  <a:tcPr marL="12700" marR="12700" marT="12700" marB="0" anchor="b">
+                  <a:tcPr marL="14261" marR="14261" marT="14261" marB="0" anchor="b">
                     <a:lnL w="6350" cap="flat" cmpd="sng" algn="ctr">
                       <a:solidFill>
                         <a:srgbClr val="000000"/>
@@ -4101,7 +4099,7 @@
                     <a:p>
                       <a:pPr algn="r" fontAlgn="b"/>
                       <a:r>
-                        <a:rPr lang="en-US" sz="1200" b="0" i="0" u="none" strike="noStrike" dirty="0">
+                        <a:rPr lang="en-US" sz="1300" b="0" i="0" u="none" strike="noStrike" dirty="0">
                           <a:solidFill>
                             <a:srgbClr val="000000"/>
                           </a:solidFill>
@@ -4112,7 +4110,7 @@
                       </a:r>
                     </a:p>
                   </a:txBody>
-                  <a:tcPr marL="12700" marR="12700" marT="12700" marB="0" anchor="b">
+                  <a:tcPr marL="14261" marR="14261" marT="14261" marB="0" anchor="b">
                     <a:lnL w="6350" cap="flat" cmpd="sng" algn="ctr">
                       <a:solidFill>
                         <a:srgbClr val="000000"/>
@@ -4158,7 +4156,7 @@
                     <a:p>
                       <a:pPr algn="r" fontAlgn="b"/>
                       <a:r>
-                        <a:rPr lang="en-US" sz="1200" b="0" i="0" u="none" strike="noStrike" dirty="0">
+                        <a:rPr lang="en-US" sz="1300" b="0" i="0" u="none" strike="noStrike" dirty="0">
                           <a:solidFill>
                             <a:srgbClr val="000000"/>
                           </a:solidFill>
@@ -4169,7 +4167,7 @@
                       </a:r>
                     </a:p>
                   </a:txBody>
-                  <a:tcPr marL="12700" marR="12700" marT="12700" marB="0" anchor="b">
+                  <a:tcPr marL="14261" marR="14261" marT="14261" marB="0" anchor="b">
                     <a:lnL w="6350" cap="flat" cmpd="sng" algn="ctr">
                       <a:solidFill>
                         <a:srgbClr val="000000"/>
@@ -4215,7 +4213,7 @@
                     <a:p>
                       <a:pPr algn="l" fontAlgn="b"/>
                       <a:r>
-                        <a:rPr lang="en-US" sz="1200" b="0" i="0" u="none" strike="noStrike" dirty="0">
+                        <a:rPr lang="en-US" sz="1300" b="0" i="0" u="none" strike="noStrike" dirty="0">
                           <a:solidFill>
                             <a:srgbClr val="000000"/>
                           </a:solidFill>
@@ -4226,7 +4224,7 @@
                       </a:r>
                     </a:p>
                   </a:txBody>
-                  <a:tcPr marL="12700" marR="12700" marT="12700" marB="0" anchor="b">
+                  <a:tcPr marL="14261" marR="14261" marT="14261" marB="0" anchor="b">
                     <a:lnL w="6350" cap="flat" cmpd="sng" algn="ctr">
                       <a:solidFill>
                         <a:srgbClr val="000000"/>
@@ -4266,15 +4264,15 @@
                   </a:tcPr>
                 </a:tc>
               </a:tr>
-              <a:tr h="190500">
-                <a:tc>
-                  <a:txBody>
-                    <a:bodyPr/>
-                    <a:lstStyle/>
-                    <a:p>
-                      <a:pPr algn="l" fontAlgn="b"/>
-                      <a:r>
-                        <a:rPr lang="en-US" sz="1200" b="0" i="0" u="none" strike="noStrike" dirty="0">
+              <a:tr h="219626">
+                <a:tc>
+                  <a:txBody>
+                    <a:bodyPr/>
+                    <a:lstStyle/>
+                    <a:p>
+                      <a:pPr algn="l" fontAlgn="b"/>
+                      <a:r>
+                        <a:rPr lang="en-US" sz="1300" b="0" i="0" u="none" strike="noStrike" dirty="0">
                           <a:solidFill>
                             <a:srgbClr val="000000"/>
                           </a:solidFill>
@@ -4285,7 +4283,7 @@
                       </a:r>
                     </a:p>
                   </a:txBody>
-                  <a:tcPr marL="12700" marR="12700" marT="12700" marB="0" anchor="b">
+                  <a:tcPr marL="14261" marR="14261" marT="14261" marB="0" anchor="b">
                     <a:lnL w="6350" cap="flat" cmpd="sng" algn="ctr">
                       <a:solidFill>
                         <a:srgbClr val="000000"/>
@@ -4331,7 +4329,7 @@
                     <a:p>
                       <a:pPr algn="r" fontAlgn="b"/>
                       <a:r>
-                        <a:rPr lang="en-US" sz="1200" b="0" i="0" u="none" strike="noStrike" dirty="0">
+                        <a:rPr lang="en-US" sz="1300" b="0" i="0" u="none" strike="noStrike" dirty="0">
                           <a:solidFill>
                             <a:srgbClr val="000000"/>
                           </a:solidFill>
@@ -4342,7 +4340,7 @@
                       </a:r>
                     </a:p>
                   </a:txBody>
-                  <a:tcPr marL="12700" marR="12700" marT="12700" marB="0" anchor="b">
+                  <a:tcPr marL="14261" marR="14261" marT="14261" marB="0" anchor="b">
                     <a:lnL w="6350" cap="flat" cmpd="sng" algn="ctr">
                       <a:solidFill>
                         <a:srgbClr val="000000"/>
@@ -4388,7 +4386,7 @@
                     <a:p>
                       <a:pPr algn="r" fontAlgn="b"/>
                       <a:r>
-                        <a:rPr lang="en-US" sz="1200" b="0" i="0" u="none" strike="noStrike" dirty="0">
+                        <a:rPr lang="en-US" sz="1300" b="0" i="0" u="none" strike="noStrike" dirty="0">
                           <a:solidFill>
                             <a:srgbClr val="000000"/>
                           </a:solidFill>
@@ -4399,7 +4397,7 @@
                       </a:r>
                     </a:p>
                   </a:txBody>
-                  <a:tcPr marL="12700" marR="12700" marT="12700" marB="0" anchor="b">
+                  <a:tcPr marL="14261" marR="14261" marT="14261" marB="0" anchor="b">
                     <a:lnL w="6350" cap="flat" cmpd="sng" algn="ctr">
                       <a:solidFill>
                         <a:srgbClr val="000000"/>
@@ -4445,7 +4443,7 @@
                     <a:p>
                       <a:pPr algn="r" fontAlgn="b"/>
                       <a:r>
-                        <a:rPr lang="en-US" sz="1200" b="0" i="0" u="none" strike="noStrike" dirty="0">
+                        <a:rPr lang="en-US" sz="1300" b="0" i="0" u="none" strike="noStrike" dirty="0">
                           <a:solidFill>
                             <a:srgbClr val="000000"/>
                           </a:solidFill>
@@ -4456,7 +4454,7 @@
                       </a:r>
                     </a:p>
                   </a:txBody>
-                  <a:tcPr marL="12700" marR="12700" marT="12700" marB="0" anchor="b">
+                  <a:tcPr marL="14261" marR="14261" marT="14261" marB="0" anchor="b">
                     <a:lnL w="6350" cap="flat" cmpd="sng" algn="ctr">
                       <a:solidFill>
                         <a:srgbClr val="000000"/>
@@ -4502,7 +4500,7 @@
                     <a:p>
                       <a:pPr algn="r" fontAlgn="b"/>
                       <a:r>
-                        <a:rPr lang="en-US" sz="1200" b="0" i="0" u="none" strike="noStrike" dirty="0">
+                        <a:rPr lang="en-US" sz="1300" b="0" i="0" u="none" strike="noStrike" dirty="0">
                           <a:solidFill>
                             <a:srgbClr val="000000"/>
                           </a:solidFill>
@@ -4513,7 +4511,7 @@
                       </a:r>
                     </a:p>
                   </a:txBody>
-                  <a:tcPr marL="12700" marR="12700" marT="12700" marB="0" anchor="b">
+                  <a:tcPr marL="14261" marR="14261" marT="14261" marB="0" anchor="b">
                     <a:lnL w="6350" cap="flat" cmpd="sng" algn="ctr">
                       <a:solidFill>
                         <a:srgbClr val="000000"/>
@@ -4559,7 +4557,7 @@
                     <a:p>
                       <a:pPr algn="l" fontAlgn="b"/>
                       <a:r>
-                        <a:rPr lang="en-US" sz="1200" b="0" i="0" u="none" strike="noStrike" dirty="0">
+                        <a:rPr lang="en-US" sz="1300" b="0" i="0" u="none" strike="noStrike" dirty="0">
                           <a:solidFill>
                             <a:srgbClr val="000000"/>
                           </a:solidFill>
@@ -4570,7 +4568,7 @@
                       </a:r>
                     </a:p>
                   </a:txBody>
-                  <a:tcPr marL="12700" marR="12700" marT="12700" marB="0" anchor="b">
+                  <a:tcPr marL="14261" marR="14261" marT="14261" marB="0" anchor="b">
                     <a:lnL w="6350" cap="flat" cmpd="sng" algn="ctr">
                       <a:solidFill>
                         <a:srgbClr val="000000"/>
@@ -4610,15 +4608,15 @@
                   </a:tcPr>
                 </a:tc>
               </a:tr>
-              <a:tr h="190500">
-                <a:tc>
-                  <a:txBody>
-                    <a:bodyPr/>
-                    <a:lstStyle/>
-                    <a:p>
-                      <a:pPr algn="l" fontAlgn="b"/>
-                      <a:r>
-                        <a:rPr lang="en-US" sz="1200" b="0" i="0" u="none" strike="noStrike" dirty="0">
+              <a:tr h="219626">
+                <a:tc>
+                  <a:txBody>
+                    <a:bodyPr/>
+                    <a:lstStyle/>
+                    <a:p>
+                      <a:pPr algn="l" fontAlgn="b"/>
+                      <a:r>
+                        <a:rPr lang="en-US" sz="1300" b="0" i="0" u="none" strike="noStrike" dirty="0">
                           <a:solidFill>
                             <a:srgbClr val="000000"/>
                           </a:solidFill>
@@ -4629,7 +4627,7 @@
                       </a:r>
                     </a:p>
                   </a:txBody>
-                  <a:tcPr marL="12700" marR="12700" marT="12700" marB="0" anchor="b">
+                  <a:tcPr marL="14261" marR="14261" marT="14261" marB="0" anchor="b">
                     <a:lnL w="6350" cap="flat" cmpd="sng" algn="ctr">
                       <a:solidFill>
                         <a:srgbClr val="000000"/>
@@ -4675,7 +4673,7 @@
                     <a:p>
                       <a:pPr algn="r" fontAlgn="b"/>
                       <a:r>
-                        <a:rPr lang="en-US" sz="1200" b="0" i="0" u="none" strike="noStrike" dirty="0">
+                        <a:rPr lang="en-US" sz="1300" b="0" i="0" u="none" strike="noStrike" dirty="0">
                           <a:solidFill>
                             <a:srgbClr val="000000"/>
                           </a:solidFill>
@@ -4686,7 +4684,7 @@
                       </a:r>
                     </a:p>
                   </a:txBody>
-                  <a:tcPr marL="12700" marR="12700" marT="12700" marB="0" anchor="b">
+                  <a:tcPr marL="14261" marR="14261" marT="14261" marB="0" anchor="b">
                     <a:lnL w="6350" cap="flat" cmpd="sng" algn="ctr">
                       <a:solidFill>
                         <a:srgbClr val="000000"/>
@@ -4732,7 +4730,7 @@
                     <a:p>
                       <a:pPr algn="r" fontAlgn="b"/>
                       <a:r>
-                        <a:rPr lang="en-US" sz="1200" b="0" i="0" u="none" strike="noStrike" dirty="0">
+                        <a:rPr lang="en-US" sz="1300" b="0" i="0" u="none" strike="noStrike" dirty="0">
                           <a:solidFill>
                             <a:srgbClr val="000000"/>
                           </a:solidFill>
@@ -4743,7 +4741,7 @@
                       </a:r>
                     </a:p>
                   </a:txBody>
-                  <a:tcPr marL="12700" marR="12700" marT="12700" marB="0" anchor="b">
+                  <a:tcPr marL="14261" marR="14261" marT="14261" marB="0" anchor="b">
                     <a:lnL w="6350" cap="flat" cmpd="sng" algn="ctr">
                       <a:solidFill>
                         <a:srgbClr val="000000"/>
@@ -4789,7 +4787,7 @@
                     <a:p>
                       <a:pPr algn="r" fontAlgn="b"/>
                       <a:r>
-                        <a:rPr lang="en-US" sz="1200" b="0" i="0" u="none" strike="noStrike" dirty="0">
+                        <a:rPr lang="en-US" sz="1300" b="0" i="0" u="none" strike="noStrike" dirty="0">
                           <a:solidFill>
                             <a:srgbClr val="000000"/>
                           </a:solidFill>
@@ -4800,7 +4798,7 @@
                       </a:r>
                     </a:p>
                   </a:txBody>
-                  <a:tcPr marL="12700" marR="12700" marT="12700" marB="0" anchor="b">
+                  <a:tcPr marL="14261" marR="14261" marT="14261" marB="0" anchor="b">
                     <a:lnL w="6350" cap="flat" cmpd="sng" algn="ctr">
                       <a:solidFill>
                         <a:srgbClr val="000000"/>
@@ -4846,7 +4844,7 @@
                     <a:p>
                       <a:pPr algn="r" fontAlgn="b"/>
                       <a:r>
-                        <a:rPr lang="en-US" sz="1200" b="0" i="0" u="none" strike="noStrike" dirty="0">
+                        <a:rPr lang="en-US" sz="1300" b="0" i="0" u="none" strike="noStrike" dirty="0">
                           <a:solidFill>
                             <a:srgbClr val="000000"/>
                           </a:solidFill>
@@ -4857,7 +4855,7 @@
                       </a:r>
                     </a:p>
                   </a:txBody>
-                  <a:tcPr marL="12700" marR="12700" marT="12700" marB="0" anchor="b">
+                  <a:tcPr marL="14261" marR="14261" marT="14261" marB="0" anchor="b">
                     <a:lnL w="6350" cap="flat" cmpd="sng" algn="ctr">
                       <a:solidFill>
                         <a:srgbClr val="000000"/>
@@ -4903,7 +4901,7 @@
                     <a:p>
                       <a:pPr algn="l" fontAlgn="b"/>
                       <a:r>
-                        <a:rPr lang="en-US" sz="1200" b="0" i="0" u="none" strike="noStrike" dirty="0">
+                        <a:rPr lang="en-US" sz="1300" b="0" i="0" u="none" strike="noStrike" dirty="0">
                           <a:solidFill>
                             <a:srgbClr val="000000"/>
                           </a:solidFill>
@@ -4914,7 +4912,7 @@
                       </a:r>
                     </a:p>
                   </a:txBody>
-                  <a:tcPr marL="12700" marR="12700" marT="12700" marB="0" anchor="b">
+                  <a:tcPr marL="14261" marR="14261" marT="14261" marB="0" anchor="b">
                     <a:lnL w="6350" cap="flat" cmpd="sng" algn="ctr">
                       <a:solidFill>
                         <a:srgbClr val="000000"/>
@@ -4954,15 +4952,15 @@
                   </a:tcPr>
                 </a:tc>
               </a:tr>
-              <a:tr h="190500">
-                <a:tc>
-                  <a:txBody>
-                    <a:bodyPr/>
-                    <a:lstStyle/>
-                    <a:p>
-                      <a:pPr algn="l" fontAlgn="b"/>
-                      <a:r>
-                        <a:rPr lang="en-US" sz="1200" b="0" i="0" u="none" strike="noStrike" dirty="0">
+              <a:tr h="219626">
+                <a:tc>
+                  <a:txBody>
+                    <a:bodyPr/>
+                    <a:lstStyle/>
+                    <a:p>
+                      <a:pPr algn="l" fontAlgn="b"/>
+                      <a:r>
+                        <a:rPr lang="en-US" sz="1300" b="0" i="0" u="none" strike="noStrike" dirty="0">
                           <a:solidFill>
                             <a:srgbClr val="000000"/>
                           </a:solidFill>
@@ -4973,7 +4971,7 @@
                       </a:r>
                     </a:p>
                   </a:txBody>
-                  <a:tcPr marL="12700" marR="12700" marT="12700" marB="0" anchor="b">
+                  <a:tcPr marL="14261" marR="14261" marT="14261" marB="0" anchor="b">
                     <a:lnL w="6350" cap="flat" cmpd="sng" algn="ctr">
                       <a:solidFill>
                         <a:srgbClr val="000000"/>
@@ -5019,7 +5017,7 @@
                     <a:p>
                       <a:pPr algn="r" fontAlgn="b"/>
                       <a:r>
-                        <a:rPr lang="en-US" sz="1200" b="0" i="0" u="none" strike="noStrike" dirty="0">
+                        <a:rPr lang="en-US" sz="1300" b="0" i="0" u="none" strike="noStrike" dirty="0">
                           <a:solidFill>
                             <a:srgbClr val="000000"/>
                           </a:solidFill>
@@ -5030,7 +5028,7 @@
                       </a:r>
                     </a:p>
                   </a:txBody>
-                  <a:tcPr marL="12700" marR="12700" marT="12700" marB="0" anchor="b">
+                  <a:tcPr marL="14261" marR="14261" marT="14261" marB="0" anchor="b">
                     <a:lnL w="6350" cap="flat" cmpd="sng" algn="ctr">
                       <a:solidFill>
                         <a:srgbClr val="000000"/>
@@ -5076,7 +5074,7 @@
                     <a:p>
                       <a:pPr algn="r" fontAlgn="b"/>
                       <a:r>
-                        <a:rPr lang="en-US" sz="1200" b="0" i="0" u="none" strike="noStrike" dirty="0">
+                        <a:rPr lang="en-US" sz="1300" b="0" i="0" u="none" strike="noStrike" dirty="0">
                           <a:solidFill>
                             <a:srgbClr val="000000"/>
                           </a:solidFill>
@@ -5087,7 +5085,7 @@
                       </a:r>
                     </a:p>
                   </a:txBody>
-                  <a:tcPr marL="12700" marR="12700" marT="12700" marB="0" anchor="b">
+                  <a:tcPr marL="14261" marR="14261" marT="14261" marB="0" anchor="b">
                     <a:lnL w="6350" cap="flat" cmpd="sng" algn="ctr">
                       <a:solidFill>
                         <a:srgbClr val="000000"/>
@@ -5133,7 +5131,7 @@
                     <a:p>
                       <a:pPr algn="r" fontAlgn="b"/>
                       <a:r>
-                        <a:rPr lang="en-US" sz="1200" b="0" i="0" u="none" strike="noStrike" dirty="0">
+                        <a:rPr lang="en-US" sz="1300" b="0" i="0" u="none" strike="noStrike" dirty="0">
                           <a:solidFill>
                             <a:srgbClr val="000000"/>
                           </a:solidFill>
@@ -5144,7 +5142,7 @@
                       </a:r>
                     </a:p>
                   </a:txBody>
-                  <a:tcPr marL="12700" marR="12700" marT="12700" marB="0" anchor="b">
+                  <a:tcPr marL="14261" marR="14261" marT="14261" marB="0" anchor="b">
                     <a:lnL w="6350" cap="flat" cmpd="sng" algn="ctr">
                       <a:solidFill>
                         <a:srgbClr val="000000"/>
@@ -5190,7 +5188,7 @@
                     <a:p>
                       <a:pPr algn="r" fontAlgn="b"/>
                       <a:r>
-                        <a:rPr lang="en-US" sz="1200" b="0" i="0" u="none" strike="noStrike" dirty="0">
+                        <a:rPr lang="en-US" sz="1300" b="0" i="0" u="none" strike="noStrike" dirty="0">
                           <a:solidFill>
                             <a:srgbClr val="000000"/>
                           </a:solidFill>
@@ -5201,7 +5199,7 @@
                       </a:r>
                     </a:p>
                   </a:txBody>
-                  <a:tcPr marL="12700" marR="12700" marT="12700" marB="0" anchor="b">
+                  <a:tcPr marL="14261" marR="14261" marT="14261" marB="0" anchor="b">
                     <a:lnL w="6350" cap="flat" cmpd="sng" algn="ctr">
                       <a:solidFill>
                         <a:srgbClr val="000000"/>
@@ -5247,7 +5245,7 @@
                     <a:p>
                       <a:pPr algn="l" fontAlgn="b"/>
                       <a:r>
-                        <a:rPr lang="en-US" sz="1200" b="0" i="0" u="none" strike="noStrike" dirty="0">
+                        <a:rPr lang="en-US" sz="1300" b="0" i="0" u="none" strike="noStrike" dirty="0">
                           <a:solidFill>
                             <a:srgbClr val="000000"/>
                           </a:solidFill>
@@ -5258,7 +5256,7 @@
                       </a:r>
                     </a:p>
                   </a:txBody>
-                  <a:tcPr marL="12700" marR="12700" marT="12700" marB="0" anchor="b">
+                  <a:tcPr marL="14261" marR="14261" marT="14261" marB="0" anchor="b">
                     <a:lnL w="6350" cap="flat" cmpd="sng" algn="ctr">
                       <a:solidFill>
                         <a:srgbClr val="000000"/>
@@ -5298,15 +5296,15 @@
                   </a:tcPr>
                 </a:tc>
               </a:tr>
-              <a:tr h="190500">
-                <a:tc>
-                  <a:txBody>
-                    <a:bodyPr/>
-                    <a:lstStyle/>
-                    <a:p>
-                      <a:pPr algn="l" fontAlgn="b"/>
-                      <a:r>
-                        <a:rPr lang="en-US" sz="1200" b="0" i="0" u="none" strike="noStrike" dirty="0">
+              <a:tr h="219626">
+                <a:tc>
+                  <a:txBody>
+                    <a:bodyPr/>
+                    <a:lstStyle/>
+                    <a:p>
+                      <a:pPr algn="l" fontAlgn="b"/>
+                      <a:r>
+                        <a:rPr lang="en-US" sz="1300" b="0" i="0" u="none" strike="noStrike" dirty="0">
                           <a:solidFill>
                             <a:srgbClr val="000000"/>
                           </a:solidFill>
@@ -5317,7 +5315,7 @@
                       </a:r>
                     </a:p>
                   </a:txBody>
-                  <a:tcPr marL="12700" marR="12700" marT="12700" marB="0" anchor="b">
+                  <a:tcPr marL="14261" marR="14261" marT="14261" marB="0" anchor="b">
                     <a:lnL w="6350" cap="flat" cmpd="sng" algn="ctr">
                       <a:solidFill>
                         <a:srgbClr val="000000"/>
@@ -5363,7 +5361,7 @@
                     <a:p>
                       <a:pPr algn="r" fontAlgn="b"/>
                       <a:r>
-                        <a:rPr lang="en-US" sz="1200" b="0" i="0" u="none" strike="noStrike" dirty="0">
+                        <a:rPr lang="en-US" sz="1300" b="0" i="0" u="none" strike="noStrike" dirty="0">
                           <a:solidFill>
                             <a:srgbClr val="000000"/>
                           </a:solidFill>
@@ -5374,7 +5372,7 @@
                       </a:r>
                     </a:p>
                   </a:txBody>
-                  <a:tcPr marL="12700" marR="12700" marT="12700" marB="0" anchor="b">
+                  <a:tcPr marL="14261" marR="14261" marT="14261" marB="0" anchor="b">
                     <a:lnL w="6350" cap="flat" cmpd="sng" algn="ctr">
                       <a:solidFill>
                         <a:srgbClr val="000000"/>
@@ -5420,7 +5418,7 @@
                     <a:p>
                       <a:pPr algn="r" fontAlgn="b"/>
                       <a:r>
-                        <a:rPr lang="en-US" sz="1200" b="0" i="0" u="none" strike="noStrike" dirty="0">
+                        <a:rPr lang="en-US" sz="1300" b="0" i="0" u="none" strike="noStrike" dirty="0">
                           <a:solidFill>
                             <a:srgbClr val="000000"/>
                           </a:solidFill>
@@ -5431,7 +5429,7 @@
                       </a:r>
                     </a:p>
                   </a:txBody>
-                  <a:tcPr marL="12700" marR="12700" marT="12700" marB="0" anchor="b">
+                  <a:tcPr marL="14261" marR="14261" marT="14261" marB="0" anchor="b">
                     <a:lnL w="6350" cap="flat" cmpd="sng" algn="ctr">
                       <a:solidFill>
                         <a:srgbClr val="000000"/>
@@ -5477,7 +5475,7 @@
                     <a:p>
                       <a:pPr algn="r" fontAlgn="b"/>
                       <a:r>
-                        <a:rPr lang="en-US" sz="1200" b="0" i="0" u="none" strike="noStrike" dirty="0">
+                        <a:rPr lang="en-US" sz="1300" b="0" i="0" u="none" strike="noStrike" dirty="0">
                           <a:solidFill>
                             <a:srgbClr val="000000"/>
                           </a:solidFill>
@@ -5488,7 +5486,7 @@
                       </a:r>
                     </a:p>
                   </a:txBody>
-                  <a:tcPr marL="12700" marR="12700" marT="12700" marB="0" anchor="b">
+                  <a:tcPr marL="14261" marR="14261" marT="14261" marB="0" anchor="b">
                     <a:lnL w="6350" cap="flat" cmpd="sng" algn="ctr">
                       <a:solidFill>
                         <a:srgbClr val="000000"/>
@@ -5534,7 +5532,7 @@
                     <a:p>
                       <a:pPr algn="r" fontAlgn="b"/>
                       <a:r>
-                        <a:rPr lang="en-US" sz="1200" b="0" i="0" u="none" strike="noStrike" dirty="0">
+                        <a:rPr lang="en-US" sz="1300" b="0" i="0" u="none" strike="noStrike" dirty="0">
                           <a:solidFill>
                             <a:srgbClr val="000000"/>
                           </a:solidFill>
@@ -5545,7 +5543,7 @@
                       </a:r>
                     </a:p>
                   </a:txBody>
-                  <a:tcPr marL="12700" marR="12700" marT="12700" marB="0" anchor="b">
+                  <a:tcPr marL="14261" marR="14261" marT="14261" marB="0" anchor="b">
                     <a:lnL w="6350" cap="flat" cmpd="sng" algn="ctr">
                       <a:solidFill>
                         <a:srgbClr val="000000"/>
@@ -5591,7 +5589,7 @@
                     <a:p>
                       <a:pPr algn="l" fontAlgn="b"/>
                       <a:r>
-                        <a:rPr lang="en-US" sz="1200" b="0" i="0" u="none" strike="noStrike" dirty="0">
+                        <a:rPr lang="en-US" sz="1300" b="0" i="0" u="none" strike="noStrike" dirty="0">
                           <a:solidFill>
                             <a:srgbClr val="000000"/>
                           </a:solidFill>
@@ -5602,7 +5600,7 @@
                       </a:r>
                     </a:p>
                   </a:txBody>
-                  <a:tcPr marL="12700" marR="12700" marT="12700" marB="0" anchor="b">
+                  <a:tcPr marL="14261" marR="14261" marT="14261" marB="0" anchor="b">
                     <a:lnL w="6350" cap="flat" cmpd="sng" algn="ctr">
                       <a:solidFill>
                         <a:srgbClr val="000000"/>
@@ -5642,15 +5640,15 @@
                   </a:tcPr>
                 </a:tc>
               </a:tr>
-              <a:tr h="190500">
-                <a:tc>
-                  <a:txBody>
-                    <a:bodyPr/>
-                    <a:lstStyle/>
-                    <a:p>
-                      <a:pPr algn="l" fontAlgn="b"/>
-                      <a:r>
-                        <a:rPr lang="en-US" sz="1200" b="0" i="0" u="none" strike="noStrike" dirty="0">
+              <a:tr h="219626">
+                <a:tc>
+                  <a:txBody>
+                    <a:bodyPr/>
+                    <a:lstStyle/>
+                    <a:p>
+                      <a:pPr algn="l" fontAlgn="b"/>
+                      <a:r>
+                        <a:rPr lang="en-US" sz="1300" b="0" i="0" u="none" strike="noStrike" dirty="0">
                           <a:solidFill>
                             <a:srgbClr val="000000"/>
                           </a:solidFill>
@@ -5661,7 +5659,7 @@
                       </a:r>
                     </a:p>
                   </a:txBody>
-                  <a:tcPr marL="12700" marR="12700" marT="12700" marB="0" anchor="b">
+                  <a:tcPr marL="14261" marR="14261" marT="14261" marB="0" anchor="b">
                     <a:lnL w="6350" cap="flat" cmpd="sng" algn="ctr">
                       <a:solidFill>
                         <a:srgbClr val="000000"/>
@@ -5707,7 +5705,7 @@
                     <a:p>
                       <a:pPr algn="r" fontAlgn="b"/>
                       <a:r>
-                        <a:rPr lang="en-US" sz="1200" b="0" i="0" u="none" strike="noStrike" dirty="0">
+                        <a:rPr lang="en-US" sz="1300" b="0" i="0" u="none" strike="noStrike" dirty="0">
                           <a:solidFill>
                             <a:srgbClr val="000000"/>
                           </a:solidFill>
@@ -5718,7 +5716,7 @@
                       </a:r>
                     </a:p>
                   </a:txBody>
-                  <a:tcPr marL="12700" marR="12700" marT="12700" marB="0" anchor="b">
+                  <a:tcPr marL="14261" marR="14261" marT="14261" marB="0" anchor="b">
                     <a:lnL w="6350" cap="flat" cmpd="sng" algn="ctr">
                       <a:solidFill>
                         <a:srgbClr val="000000"/>
@@ -5764,7 +5762,7 @@
                     <a:p>
                       <a:pPr algn="r" fontAlgn="b"/>
                       <a:r>
-                        <a:rPr lang="en-US" sz="1200" b="0" i="0" u="none" strike="noStrike" dirty="0">
+                        <a:rPr lang="en-US" sz="1300" b="0" i="0" u="none" strike="noStrike" dirty="0">
                           <a:solidFill>
                             <a:srgbClr val="000000"/>
                           </a:solidFill>
@@ -5775,7 +5773,7 @@
                       </a:r>
                     </a:p>
                   </a:txBody>
-                  <a:tcPr marL="12700" marR="12700" marT="12700" marB="0" anchor="b">
+                  <a:tcPr marL="14261" marR="14261" marT="14261" marB="0" anchor="b">
                     <a:lnL w="6350" cap="flat" cmpd="sng" algn="ctr">
                       <a:solidFill>
                         <a:srgbClr val="000000"/>
@@ -5821,7 +5819,7 @@
                     <a:p>
                       <a:pPr algn="r" fontAlgn="b"/>
                       <a:r>
-                        <a:rPr lang="en-US" sz="1200" b="0" i="0" u="none" strike="noStrike" dirty="0">
+                        <a:rPr lang="en-US" sz="1300" b="0" i="0" u="none" strike="noStrike" dirty="0">
                           <a:solidFill>
                             <a:srgbClr val="000000"/>
                           </a:solidFill>
@@ -5832,7 +5830,7 @@
                       </a:r>
                     </a:p>
                   </a:txBody>
-                  <a:tcPr marL="12700" marR="12700" marT="12700" marB="0" anchor="b">
+                  <a:tcPr marL="14261" marR="14261" marT="14261" marB="0" anchor="b">
                     <a:lnL w="6350" cap="flat" cmpd="sng" algn="ctr">
                       <a:solidFill>
                         <a:srgbClr val="000000"/>
@@ -5878,7 +5876,7 @@
                     <a:p>
                       <a:pPr algn="r" fontAlgn="b"/>
                       <a:r>
-                        <a:rPr lang="en-US" sz="1200" b="0" i="0" u="none" strike="noStrike" dirty="0">
+                        <a:rPr lang="en-US" sz="1300" b="0" i="0" u="none" strike="noStrike" dirty="0">
                           <a:solidFill>
                             <a:srgbClr val="000000"/>
                           </a:solidFill>
@@ -5889,7 +5887,7 @@
                       </a:r>
                     </a:p>
                   </a:txBody>
-                  <a:tcPr marL="12700" marR="12700" marT="12700" marB="0" anchor="b">
+                  <a:tcPr marL="14261" marR="14261" marT="14261" marB="0" anchor="b">
                     <a:lnL w="6350" cap="flat" cmpd="sng" algn="ctr">
                       <a:solidFill>
                         <a:srgbClr val="000000"/>
@@ -5935,7 +5933,7 @@
                     <a:p>
                       <a:pPr algn="l" fontAlgn="b"/>
                       <a:r>
-                        <a:rPr lang="en-US" sz="1200" b="0" i="0" u="none" strike="noStrike" dirty="0">
+                        <a:rPr lang="en-US" sz="1300" b="0" i="0" u="none" strike="noStrike" dirty="0">
                           <a:solidFill>
                             <a:srgbClr val="000000"/>
                           </a:solidFill>
@@ -5946,7 +5944,7 @@
                       </a:r>
                     </a:p>
                   </a:txBody>
-                  <a:tcPr marL="12700" marR="12700" marT="12700" marB="0" anchor="b">
+                  <a:tcPr marL="14261" marR="14261" marT="14261" marB="0" anchor="b">
                     <a:lnL w="6350" cap="flat" cmpd="sng" algn="ctr">
                       <a:solidFill>
                         <a:srgbClr val="000000"/>
@@ -5986,15 +5984,15 @@
                   </a:tcPr>
                 </a:tc>
               </a:tr>
-              <a:tr h="190500">
-                <a:tc>
-                  <a:txBody>
-                    <a:bodyPr/>
-                    <a:lstStyle/>
-                    <a:p>
-                      <a:pPr algn="l" fontAlgn="b"/>
-                      <a:r>
-                        <a:rPr lang="en-US" sz="1200" b="0" i="0" u="none" strike="noStrike" dirty="0">
+              <a:tr h="219626">
+                <a:tc>
+                  <a:txBody>
+                    <a:bodyPr/>
+                    <a:lstStyle/>
+                    <a:p>
+                      <a:pPr algn="l" fontAlgn="b"/>
+                      <a:r>
+                        <a:rPr lang="en-US" sz="1300" b="0" i="0" u="none" strike="noStrike" dirty="0">
                           <a:solidFill>
                             <a:srgbClr val="000000"/>
                           </a:solidFill>
@@ -6005,7 +6003,7 @@
                       </a:r>
                     </a:p>
                   </a:txBody>
-                  <a:tcPr marL="12700" marR="12700" marT="12700" marB="0" anchor="b">
+                  <a:tcPr marL="14261" marR="14261" marT="14261" marB="0" anchor="b">
                     <a:lnL w="6350" cap="flat" cmpd="sng" algn="ctr">
                       <a:solidFill>
                         <a:srgbClr val="000000"/>
@@ -6051,7 +6049,7 @@
                     <a:p>
                       <a:pPr algn="r" fontAlgn="b"/>
                       <a:r>
-                        <a:rPr lang="en-US" sz="1200" b="0" i="0" u="none" strike="noStrike" dirty="0">
+                        <a:rPr lang="en-US" sz="1300" b="0" i="0" u="none" strike="noStrike" dirty="0">
                           <a:solidFill>
                             <a:srgbClr val="000000"/>
                           </a:solidFill>
@@ -6062,7 +6060,7 @@
                       </a:r>
                     </a:p>
                   </a:txBody>
-                  <a:tcPr marL="12700" marR="12700" marT="12700" marB="0" anchor="b">
+                  <a:tcPr marL="14261" marR="14261" marT="14261" marB="0" anchor="b">
                     <a:lnL w="6350" cap="flat" cmpd="sng" algn="ctr">
                       <a:solidFill>
                         <a:srgbClr val="000000"/>
@@ -6108,7 +6106,7 @@
                     <a:p>
                       <a:pPr algn="r" fontAlgn="b"/>
                       <a:r>
-                        <a:rPr lang="en-US" sz="1200" b="0" i="0" u="none" strike="noStrike" dirty="0">
+                        <a:rPr lang="en-US" sz="1300" b="0" i="0" u="none" strike="noStrike" dirty="0">
                           <a:solidFill>
                             <a:srgbClr val="000000"/>
                           </a:solidFill>
@@ -6119,7 +6117,7 @@
                       </a:r>
                     </a:p>
                   </a:txBody>
-                  <a:tcPr marL="12700" marR="12700" marT="12700" marB="0" anchor="b">
+                  <a:tcPr marL="14261" marR="14261" marT="14261" marB="0" anchor="b">
                     <a:lnL w="6350" cap="flat" cmpd="sng" algn="ctr">
                       <a:solidFill>
                         <a:srgbClr val="000000"/>
@@ -6165,7 +6163,7 @@
                     <a:p>
                       <a:pPr algn="r" fontAlgn="b"/>
                       <a:r>
-                        <a:rPr lang="en-US" sz="1200" b="0" i="0" u="none" strike="noStrike" dirty="0">
+                        <a:rPr lang="en-US" sz="1300" b="0" i="0" u="none" strike="noStrike" dirty="0">
                           <a:solidFill>
                             <a:srgbClr val="000000"/>
                           </a:solidFill>
@@ -6176,7 +6174,7 @@
                       </a:r>
                     </a:p>
                   </a:txBody>
-                  <a:tcPr marL="12700" marR="12700" marT="12700" marB="0" anchor="b">
+                  <a:tcPr marL="14261" marR="14261" marT="14261" marB="0" anchor="b">
                     <a:lnL w="6350" cap="flat" cmpd="sng" algn="ctr">
                       <a:solidFill>
                         <a:srgbClr val="000000"/>
@@ -6222,7 +6220,7 @@
                     <a:p>
                       <a:pPr algn="r" fontAlgn="b"/>
                       <a:r>
-                        <a:rPr lang="en-US" sz="1200" b="0" i="0" u="none" strike="noStrike" dirty="0">
+                        <a:rPr lang="en-US" sz="1300" b="0" i="0" u="none" strike="noStrike" dirty="0">
                           <a:solidFill>
                             <a:srgbClr val="000000"/>
                           </a:solidFill>
@@ -6233,7 +6231,7 @@
                       </a:r>
                     </a:p>
                   </a:txBody>
-                  <a:tcPr marL="12700" marR="12700" marT="12700" marB="0" anchor="b">
+                  <a:tcPr marL="14261" marR="14261" marT="14261" marB="0" anchor="b">
                     <a:lnL w="6350" cap="flat" cmpd="sng" algn="ctr">
                       <a:solidFill>
                         <a:srgbClr val="000000"/>
@@ -6279,7 +6277,7 @@
                     <a:p>
                       <a:pPr algn="l" fontAlgn="b"/>
                       <a:r>
-                        <a:rPr lang="en-US" sz="1200" b="0" i="0" u="none" strike="noStrike" dirty="0">
+                        <a:rPr lang="en-US" sz="1300" b="0" i="0" u="none" strike="noStrike" dirty="0">
                           <a:solidFill>
                             <a:srgbClr val="000000"/>
                           </a:solidFill>
@@ -6290,7 +6288,7 @@
                       </a:r>
                     </a:p>
                   </a:txBody>
-                  <a:tcPr marL="12700" marR="12700" marT="12700" marB="0" anchor="b">
+                  <a:tcPr marL="14261" marR="14261" marT="14261" marB="0" anchor="b">
                     <a:lnL w="6350" cap="flat" cmpd="sng" algn="ctr">
                       <a:solidFill>
                         <a:srgbClr val="000000"/>
@@ -6330,15 +6328,15 @@
                   </a:tcPr>
                 </a:tc>
               </a:tr>
-              <a:tr h="190500">
-                <a:tc>
-                  <a:txBody>
-                    <a:bodyPr/>
-                    <a:lstStyle/>
-                    <a:p>
-                      <a:pPr algn="l" fontAlgn="b"/>
-                      <a:r>
-                        <a:rPr lang="en-US" sz="1200" b="0" i="0" u="none" strike="noStrike" dirty="0">
+              <a:tr h="219626">
+                <a:tc>
+                  <a:txBody>
+                    <a:bodyPr/>
+                    <a:lstStyle/>
+                    <a:p>
+                      <a:pPr algn="l" fontAlgn="b"/>
+                      <a:r>
+                        <a:rPr lang="en-US" sz="1300" b="0" i="0" u="none" strike="noStrike" dirty="0">
                           <a:solidFill>
                             <a:srgbClr val="000000"/>
                           </a:solidFill>
@@ -6349,7 +6347,7 @@
                       </a:r>
                     </a:p>
                   </a:txBody>
-                  <a:tcPr marL="12700" marR="12700" marT="12700" marB="0" anchor="b">
+                  <a:tcPr marL="14261" marR="14261" marT="14261" marB="0" anchor="b">
                     <a:lnL w="6350" cap="flat" cmpd="sng" algn="ctr">
                       <a:solidFill>
                         <a:srgbClr val="000000"/>
@@ -6395,7 +6393,7 @@
                     <a:p>
                       <a:pPr algn="r" fontAlgn="b"/>
                       <a:r>
-                        <a:rPr lang="en-US" sz="1200" b="0" i="0" u="none" strike="noStrike" dirty="0">
+                        <a:rPr lang="en-US" sz="1300" b="0" i="0" u="none" strike="noStrike" dirty="0">
                           <a:solidFill>
                             <a:srgbClr val="000000"/>
                           </a:solidFill>
@@ -6406,7 +6404,7 @@
                       </a:r>
                     </a:p>
                   </a:txBody>
-                  <a:tcPr marL="12700" marR="12700" marT="12700" marB="0" anchor="b">
+                  <a:tcPr marL="14261" marR="14261" marT="14261" marB="0" anchor="b">
                     <a:lnL w="6350" cap="flat" cmpd="sng" algn="ctr">
                       <a:solidFill>
                         <a:srgbClr val="000000"/>
@@ -6452,7 +6450,7 @@
                     <a:p>
                       <a:pPr algn="r" fontAlgn="b"/>
                       <a:r>
-                        <a:rPr lang="en-US" sz="1200" b="0" i="0" u="none" strike="noStrike" dirty="0">
+                        <a:rPr lang="en-US" sz="1300" b="0" i="0" u="none" strike="noStrike" dirty="0">
                           <a:solidFill>
                             <a:srgbClr val="000000"/>
                           </a:solidFill>
@@ -6463,7 +6461,7 @@
                       </a:r>
                     </a:p>
                   </a:txBody>
-                  <a:tcPr marL="12700" marR="12700" marT="12700" marB="0" anchor="b">
+                  <a:tcPr marL="14261" marR="14261" marT="14261" marB="0" anchor="b">
                     <a:lnL w="6350" cap="flat" cmpd="sng" algn="ctr">
                       <a:solidFill>
                         <a:srgbClr val="000000"/>
@@ -6509,7 +6507,7 @@
                     <a:p>
                       <a:pPr algn="r" fontAlgn="b"/>
                       <a:r>
-                        <a:rPr lang="en-US" sz="1200" b="0" i="0" u="none" strike="noStrike" dirty="0">
+                        <a:rPr lang="en-US" sz="1300" b="0" i="0" u="none" strike="noStrike" dirty="0">
                           <a:solidFill>
                             <a:srgbClr val="000000"/>
                           </a:solidFill>
@@ -6520,7 +6518,7 @@
                       </a:r>
                     </a:p>
                   </a:txBody>
-                  <a:tcPr marL="12700" marR="12700" marT="12700" marB="0" anchor="b">
+                  <a:tcPr marL="14261" marR="14261" marT="14261" marB="0" anchor="b">
                     <a:lnL w="6350" cap="flat" cmpd="sng" algn="ctr">
                       <a:solidFill>
                         <a:srgbClr val="000000"/>
@@ -6566,7 +6564,7 @@
                     <a:p>
                       <a:pPr algn="r" fontAlgn="b"/>
                       <a:r>
-                        <a:rPr lang="en-US" sz="1200" b="0" i="0" u="none" strike="noStrike" dirty="0">
+                        <a:rPr lang="en-US" sz="1300" b="0" i="0" u="none" strike="noStrike" dirty="0">
                           <a:solidFill>
                             <a:srgbClr val="000000"/>
                           </a:solidFill>
@@ -6577,7 +6575,7 @@
                       </a:r>
                     </a:p>
                   </a:txBody>
-                  <a:tcPr marL="12700" marR="12700" marT="12700" marB="0" anchor="b">
+                  <a:tcPr marL="14261" marR="14261" marT="14261" marB="0" anchor="b">
                     <a:lnL w="6350" cap="flat" cmpd="sng" algn="ctr">
                       <a:solidFill>
                         <a:srgbClr val="000000"/>
@@ -6623,7 +6621,7 @@
                     <a:p>
                       <a:pPr algn="l" fontAlgn="b"/>
                       <a:r>
-                        <a:rPr lang="en-US" sz="1200" b="0" i="0" u="none" strike="noStrike" dirty="0">
+                        <a:rPr lang="en-US" sz="1300" b="0" i="0" u="none" strike="noStrike" dirty="0">
                           <a:solidFill>
                             <a:srgbClr val="000000"/>
                           </a:solidFill>
@@ -6634,7 +6632,7 @@
                       </a:r>
                     </a:p>
                   </a:txBody>
-                  <a:tcPr marL="12700" marR="12700" marT="12700" marB="0" anchor="b">
+                  <a:tcPr marL="14261" marR="14261" marT="14261" marB="0" anchor="b">
                     <a:lnL w="6350" cap="flat" cmpd="sng" algn="ctr">
                       <a:solidFill>
                         <a:srgbClr val="000000"/>
@@ -6674,15 +6672,15 @@
                   </a:tcPr>
                 </a:tc>
               </a:tr>
-              <a:tr h="190500">
-                <a:tc>
-                  <a:txBody>
-                    <a:bodyPr/>
-                    <a:lstStyle/>
-                    <a:p>
-                      <a:pPr algn="l" fontAlgn="b"/>
-                      <a:r>
-                        <a:rPr lang="en-US" sz="1200" b="0" i="0" u="none" strike="noStrike" dirty="0">
+              <a:tr h="219626">
+                <a:tc>
+                  <a:txBody>
+                    <a:bodyPr/>
+                    <a:lstStyle/>
+                    <a:p>
+                      <a:pPr algn="l" fontAlgn="b"/>
+                      <a:r>
+                        <a:rPr lang="en-US" sz="1300" b="0" i="0" u="none" strike="noStrike" dirty="0">
                           <a:solidFill>
                             <a:srgbClr val="000000"/>
                           </a:solidFill>
@@ -6693,7 +6691,7 @@
                       </a:r>
                     </a:p>
                   </a:txBody>
-                  <a:tcPr marL="12700" marR="12700" marT="12700" marB="0" anchor="b">
+                  <a:tcPr marL="14261" marR="14261" marT="14261" marB="0" anchor="b">
                     <a:lnL>
                       <a:noFill/>
                     </a:lnL>
@@ -6720,7 +6718,7 @@
                     <a:lstStyle/>
                     <a:p>
                       <a:pPr algn="l" fontAlgn="b"/>
-                      <a:endParaRPr lang="en-US" sz="1200" b="0" i="0" u="none" strike="noStrike" dirty="0">
+                      <a:endParaRPr lang="en-US" sz="1300" b="0" i="0" u="none" strike="noStrike" dirty="0">
                         <a:solidFill>
                           <a:srgbClr val="000000"/>
                         </a:solidFill>
@@ -6729,7 +6727,7 @@
                       </a:endParaRPr>
                     </a:p>
                   </a:txBody>
-                  <a:tcPr marL="12700" marR="12700" marT="12700" marB="0" anchor="b">
+                  <a:tcPr marL="14261" marR="14261" marT="14261" marB="0" anchor="b">
                     <a:lnL>
                       <a:noFill/>
                     </a:lnL>
@@ -6756,7 +6754,7 @@
                     <a:lstStyle/>
                     <a:p>
                       <a:pPr algn="l" fontAlgn="b"/>
-                      <a:endParaRPr lang="en-US" sz="1200" b="0" i="0" u="none" strike="noStrike" dirty="0">
+                      <a:endParaRPr lang="en-US" sz="1300" b="0" i="0" u="none" strike="noStrike" dirty="0">
                         <a:solidFill>
                           <a:srgbClr val="000000"/>
                         </a:solidFill>
@@ -6765,7 +6763,7 @@
                       </a:endParaRPr>
                     </a:p>
                   </a:txBody>
-                  <a:tcPr marL="12700" marR="12700" marT="12700" marB="0" anchor="b">
+                  <a:tcPr marL="14261" marR="14261" marT="14261" marB="0" anchor="b">
                     <a:lnL>
                       <a:noFill/>
                     </a:lnL>
@@ -6792,7 +6790,7 @@
                     <a:lstStyle/>
                     <a:p>
                       <a:pPr algn="l" fontAlgn="b"/>
-                      <a:endParaRPr lang="en-US" sz="1200" b="0" i="0" u="none" strike="noStrike" dirty="0">
+                      <a:endParaRPr lang="en-US" sz="1300" b="0" i="0" u="none" strike="noStrike" dirty="0">
                         <a:solidFill>
                           <a:srgbClr val="000000"/>
                         </a:solidFill>
@@ -6801,7 +6799,7 @@
                       </a:endParaRPr>
                     </a:p>
                   </a:txBody>
-                  <a:tcPr marL="12700" marR="12700" marT="12700" marB="0" anchor="b">
+                  <a:tcPr marL="14261" marR="14261" marT="14261" marB="0" anchor="b">
                     <a:lnL>
                       <a:noFill/>
                     </a:lnL>
@@ -6828,7 +6826,7 @@
                     <a:lstStyle/>
                     <a:p>
                       <a:pPr algn="l" fontAlgn="b"/>
-                      <a:endParaRPr lang="en-US" sz="1200" b="0" i="0" u="none" strike="noStrike" dirty="0">
+                      <a:endParaRPr lang="en-US" sz="1300" b="0" i="0" u="none" strike="noStrike" dirty="0">
                         <a:solidFill>
                           <a:srgbClr val="000000"/>
                         </a:solidFill>
@@ -6837,7 +6835,7 @@
                       </a:endParaRPr>
                     </a:p>
                   </a:txBody>
-                  <a:tcPr marL="12700" marR="12700" marT="12700" marB="0" anchor="b">
+                  <a:tcPr marL="14261" marR="14261" marT="14261" marB="0" anchor="b">
                     <a:lnL>
                       <a:noFill/>
                     </a:lnL>
@@ -6864,7 +6862,7 @@
                     <a:lstStyle/>
                     <a:p>
                       <a:pPr algn="l" fontAlgn="b"/>
-                      <a:endParaRPr lang="en-US" sz="1200" b="0" i="0" u="none" strike="noStrike" dirty="0">
+                      <a:endParaRPr lang="en-US" sz="1300" b="0" i="0" u="none" strike="noStrike" dirty="0">
                         <a:solidFill>
                           <a:srgbClr val="000000"/>
                         </a:solidFill>
@@ -6873,7 +6871,7 @@
                       </a:endParaRPr>
                     </a:p>
                   </a:txBody>
-                  <a:tcPr marL="12700" marR="12700" marT="12700" marB="0" anchor="b">
+                  <a:tcPr marL="14261" marR="14261" marT="14261" marB="0" anchor="b">
                     <a:lnL>
                       <a:noFill/>
                     </a:lnL>
@@ -6895,7 +6893,7 @@
                   </a:tcPr>
                 </a:tc>
               </a:tr>
-              <a:tr h="190500">
+              <a:tr h="219626">
                 <a:tc gridSpan="2">
                   <a:txBody>
                     <a:bodyPr/>
@@ -6903,7 +6901,7 @@
                     <a:p>
                       <a:pPr algn="l" fontAlgn="b"/>
                       <a:r>
-                        <a:rPr lang="fr-FR" sz="1200" b="0" i="0" u="none" strike="noStrike" dirty="0">
+                        <a:rPr lang="fr-FR" sz="1300" b="0" i="0" u="none" strike="noStrike" dirty="0">
                           <a:solidFill>
                             <a:srgbClr val="000000"/>
                           </a:solidFill>
@@ -6914,7 +6912,7 @@
                       </a:r>
                     </a:p>
                   </a:txBody>
-                  <a:tcPr marL="12700" marR="12700" marT="12700" marB="0" anchor="b">
+                  <a:tcPr marL="14261" marR="14261" marT="14261" marB="0" anchor="b">
                     <a:lnL>
                       <a:noFill/>
                     </a:lnL>
@@ -6945,7 +6943,7 @@
                     <a:lstStyle/>
                     <a:p>
                       <a:pPr algn="l" fontAlgn="b"/>
-                      <a:endParaRPr lang="en-US" sz="1200" b="0" i="0" u="none" strike="noStrike" dirty="0">
+                      <a:endParaRPr lang="en-US" sz="1300" b="0" i="0" u="none" strike="noStrike" dirty="0">
                         <a:solidFill>
                           <a:srgbClr val="000000"/>
                         </a:solidFill>
@@ -6954,7 +6952,7 @@
                       </a:endParaRPr>
                     </a:p>
                   </a:txBody>
-                  <a:tcPr marL="12700" marR="12700" marT="12700" marB="0" anchor="b">
+                  <a:tcPr marL="14261" marR="14261" marT="14261" marB="0" anchor="b">
                     <a:lnL>
                       <a:noFill/>
                     </a:lnL>
@@ -6975,7 +6973,7 @@
                     <a:lstStyle/>
                     <a:p>
                       <a:pPr algn="l" fontAlgn="b"/>
-                      <a:endParaRPr lang="en-US" sz="1200" b="0" i="0" u="none" strike="noStrike" dirty="0">
+                      <a:endParaRPr lang="en-US" sz="1300" b="0" i="0" u="none" strike="noStrike" dirty="0">
                         <a:solidFill>
                           <a:srgbClr val="000000"/>
                         </a:solidFill>
@@ -6984,7 +6982,7 @@
                       </a:endParaRPr>
                     </a:p>
                   </a:txBody>
-                  <a:tcPr marL="12700" marR="12700" marT="12700" marB="0" anchor="b">
+                  <a:tcPr marL="14261" marR="14261" marT="14261" marB="0" anchor="b">
                     <a:lnL>
                       <a:noFill/>
                     </a:lnL>
@@ -7005,7 +7003,7 @@
                     <a:lstStyle/>
                     <a:p>
                       <a:pPr algn="l" fontAlgn="b"/>
-                      <a:endParaRPr lang="en-US" sz="1200" b="0" i="0" u="none" strike="noStrike" dirty="0">
+                      <a:endParaRPr lang="en-US" sz="1300" b="0" i="0" u="none" strike="noStrike" dirty="0">
                         <a:solidFill>
                           <a:srgbClr val="000000"/>
                         </a:solidFill>
@@ -7014,7 +7012,7 @@
                       </a:endParaRPr>
                     </a:p>
                   </a:txBody>
-                  <a:tcPr marL="12700" marR="12700" marT="12700" marB="0" anchor="b">
+                  <a:tcPr marL="14261" marR="14261" marT="14261" marB="0" anchor="b">
                     <a:lnL>
                       <a:noFill/>
                     </a:lnL>
@@ -7035,7 +7033,7 @@
                     <a:lstStyle/>
                     <a:p>
                       <a:pPr algn="l" fontAlgn="b"/>
-                      <a:endParaRPr lang="en-US" sz="1200" b="0" i="0" u="none" strike="noStrike" dirty="0">
+                      <a:endParaRPr lang="en-US" sz="1300" b="0" i="0" u="none" strike="noStrike" dirty="0">
                         <a:solidFill>
                           <a:srgbClr val="000000"/>
                         </a:solidFill>
@@ -7044,7 +7042,7 @@
                       </a:endParaRPr>
                     </a:p>
                   </a:txBody>
-                  <a:tcPr marL="12700" marR="12700" marT="12700" marB="0" anchor="b">
+                  <a:tcPr marL="14261" marR="14261" marT="14261" marB="0" anchor="b">
                     <a:lnL>
                       <a:noFill/>
                     </a:lnL>
@@ -7060,14 +7058,14 @@
                   </a:tcPr>
                 </a:tc>
               </a:tr>
-              <a:tr h="190500">
-                <a:tc>
-                  <a:txBody>
-                    <a:bodyPr/>
-                    <a:lstStyle/>
-                    <a:p>
-                      <a:pPr algn="l" fontAlgn="b"/>
-                      <a:endParaRPr lang="en-US" sz="1200" b="0" i="0" u="none" strike="noStrike" dirty="0">
+              <a:tr h="219626">
+                <a:tc>
+                  <a:txBody>
+                    <a:bodyPr/>
+                    <a:lstStyle/>
+                    <a:p>
+                      <a:pPr algn="l" fontAlgn="b"/>
+                      <a:endParaRPr lang="en-US" sz="1300" b="0" i="0" u="none" strike="noStrike" dirty="0">
                         <a:solidFill>
                           <a:srgbClr val="000000"/>
                         </a:solidFill>
@@ -7076,7 +7074,7 @@
                       </a:endParaRPr>
                     </a:p>
                   </a:txBody>
-                  <a:tcPr marL="12700" marR="12700" marT="12700" marB="0" anchor="b">
+                  <a:tcPr marL="14261" marR="14261" marT="14261" marB="0" anchor="b">
                     <a:lnL>
                       <a:noFill/>
                     </a:lnL>
@@ -7097,7 +7095,7 @@
                     <a:lstStyle/>
                     <a:p>
                       <a:pPr algn="l" fontAlgn="b"/>
-                      <a:endParaRPr lang="en-US" sz="1200" b="0" i="0" u="none" strike="noStrike" dirty="0">
+                      <a:endParaRPr lang="en-US" sz="1300" b="0" i="0" u="none" strike="noStrike" dirty="0">
                         <a:solidFill>
                           <a:srgbClr val="000000"/>
                         </a:solidFill>
@@ -7106,7 +7104,7 @@
                       </a:endParaRPr>
                     </a:p>
                   </a:txBody>
-                  <a:tcPr marL="12700" marR="12700" marT="12700" marB="0" anchor="b">
+                  <a:tcPr marL="14261" marR="14261" marT="14261" marB="0" anchor="b">
                     <a:lnL>
                       <a:noFill/>
                     </a:lnL>
@@ -7127,7 +7125,7 @@
                     <a:lstStyle/>
                     <a:p>
                       <a:pPr algn="l" fontAlgn="b"/>
-                      <a:endParaRPr lang="en-US" sz="1200" b="0" i="0" u="none" strike="noStrike" dirty="0">
+                      <a:endParaRPr lang="en-US" sz="1300" b="0" i="0" u="none" strike="noStrike" dirty="0">
                         <a:solidFill>
                           <a:srgbClr val="000000"/>
                         </a:solidFill>
@@ -7136,7 +7134,7 @@
                       </a:endParaRPr>
                     </a:p>
                   </a:txBody>
-                  <a:tcPr marL="12700" marR="12700" marT="12700" marB="0" anchor="b">
+                  <a:tcPr marL="14261" marR="14261" marT="14261" marB="0" anchor="b">
                     <a:lnL>
                       <a:noFill/>
                     </a:lnL>
@@ -7157,7 +7155,7 @@
                     <a:lstStyle/>
                     <a:p>
                       <a:pPr algn="l" fontAlgn="b"/>
-                      <a:endParaRPr lang="en-US" sz="1200" b="0" i="0" u="none" strike="noStrike" dirty="0">
+                      <a:endParaRPr lang="en-US" sz="1300" b="0" i="0" u="none" strike="noStrike" dirty="0">
                         <a:solidFill>
                           <a:srgbClr val="000000"/>
                         </a:solidFill>
@@ -7166,7 +7164,7 @@
                       </a:endParaRPr>
                     </a:p>
                   </a:txBody>
-                  <a:tcPr marL="12700" marR="12700" marT="12700" marB="0" anchor="b">
+                  <a:tcPr marL="14261" marR="14261" marT="14261" marB="0" anchor="b">
                     <a:lnL>
                       <a:noFill/>
                     </a:lnL>
@@ -7187,7 +7185,7 @@
                     <a:lstStyle/>
                     <a:p>
                       <a:pPr algn="l" fontAlgn="b"/>
-                      <a:endParaRPr lang="en-US" sz="1200" b="0" i="0" u="none" strike="noStrike" dirty="0">
+                      <a:endParaRPr lang="en-US" sz="1300" b="0" i="0" u="none" strike="noStrike" dirty="0">
                         <a:solidFill>
                           <a:srgbClr val="000000"/>
                         </a:solidFill>
@@ -7196,7 +7194,7 @@
                       </a:endParaRPr>
                     </a:p>
                   </a:txBody>
-                  <a:tcPr marL="12700" marR="12700" marT="12700" marB="0" anchor="b">
+                  <a:tcPr marL="14261" marR="14261" marT="14261" marB="0" anchor="b">
                     <a:lnL>
                       <a:noFill/>
                     </a:lnL>
@@ -7217,7 +7215,7 @@
                     <a:lstStyle/>
                     <a:p>
                       <a:pPr algn="l" fontAlgn="b"/>
-                      <a:endParaRPr lang="en-US" sz="1200" b="0" i="0" u="none" strike="noStrike" dirty="0">
+                      <a:endParaRPr lang="en-US" sz="1300" b="0" i="0" u="none" strike="noStrike" dirty="0">
                         <a:solidFill>
                           <a:srgbClr val="000000"/>
                         </a:solidFill>
@@ -7226,7 +7224,7 @@
                       </a:endParaRPr>
                     </a:p>
                   </a:txBody>
-                  <a:tcPr marL="12700" marR="12700" marT="12700" marB="0" anchor="b">
+                  <a:tcPr marL="14261" marR="14261" marT="14261" marB="0" anchor="b">
                     <a:lnL>
                       <a:noFill/>
                     </a:lnL>
@@ -7242,7 +7240,7 @@
                   </a:tcPr>
                 </a:tc>
               </a:tr>
-              <a:tr h="190500">
+              <a:tr h="219626">
                 <a:tc gridSpan="2">
                   <a:txBody>
                     <a:bodyPr/>
@@ -7250,7 +7248,7 @@
                     <a:p>
                       <a:pPr algn="l" fontAlgn="b"/>
                       <a:r>
-                        <a:rPr lang="en-US" sz="1200" b="0" i="0" u="none" strike="noStrike" dirty="0">
+                        <a:rPr lang="en-US" sz="1300" b="0" i="0" u="none" strike="noStrike" dirty="0">
                           <a:solidFill>
                             <a:srgbClr val="000000"/>
                           </a:solidFill>
@@ -7261,7 +7259,7 @@
                       </a:r>
                     </a:p>
                   </a:txBody>
-                  <a:tcPr marL="12700" marR="12700" marT="12700" marB="0" anchor="b">
+                  <a:tcPr marL="14261" marR="14261" marT="14261" marB="0" anchor="b">
                     <a:lnL>
                       <a:noFill/>
                     </a:lnL>
@@ -7292,7 +7290,7 @@
                     <a:lstStyle/>
                     <a:p>
                       <a:pPr algn="l" fontAlgn="b"/>
-                      <a:endParaRPr lang="en-US" sz="1200" b="0" i="0" u="none" strike="noStrike" dirty="0">
+                      <a:endParaRPr lang="en-US" sz="1300" b="0" i="0" u="none" strike="noStrike" dirty="0">
                         <a:solidFill>
                           <a:srgbClr val="000000"/>
                         </a:solidFill>
@@ -7301,7 +7299,7 @@
                       </a:endParaRPr>
                     </a:p>
                   </a:txBody>
-                  <a:tcPr marL="12700" marR="12700" marT="12700" marB="0" anchor="b">
+                  <a:tcPr marL="14261" marR="14261" marT="14261" marB="0" anchor="b">
                     <a:lnL>
                       <a:noFill/>
                     </a:lnL>
@@ -7322,7 +7320,7 @@
                     <a:lstStyle/>
                     <a:p>
                       <a:pPr algn="l" fontAlgn="b"/>
-                      <a:endParaRPr lang="en-US" sz="1200" b="0" i="0" u="none" strike="noStrike" dirty="0">
+                      <a:endParaRPr lang="en-US" sz="1300" b="0" i="0" u="none" strike="noStrike" dirty="0">
                         <a:solidFill>
                           <a:srgbClr val="000000"/>
                         </a:solidFill>
@@ -7331,7 +7329,7 @@
                       </a:endParaRPr>
                     </a:p>
                   </a:txBody>
-                  <a:tcPr marL="12700" marR="12700" marT="12700" marB="0" anchor="b">
+                  <a:tcPr marL="14261" marR="14261" marT="14261" marB="0" anchor="b">
                     <a:lnL>
                       <a:noFill/>
                     </a:lnL>
@@ -7352,7 +7350,7 @@
                     <a:lstStyle/>
                     <a:p>
                       <a:pPr algn="l" fontAlgn="b"/>
-                      <a:endParaRPr lang="en-US" sz="1200" b="0" i="0" u="none" strike="noStrike" dirty="0">
+                      <a:endParaRPr lang="en-US" sz="1300" b="0" i="0" u="none" strike="noStrike" dirty="0">
                         <a:solidFill>
                           <a:srgbClr val="000000"/>
                         </a:solidFill>
@@ -7361,7 +7359,7 @@
                       </a:endParaRPr>
                     </a:p>
                   </a:txBody>
-                  <a:tcPr marL="12700" marR="12700" marT="12700" marB="0" anchor="b">
+                  <a:tcPr marL="14261" marR="14261" marT="14261" marB="0" anchor="b">
                     <a:lnL>
                       <a:noFill/>
                     </a:lnL>
@@ -7382,7 +7380,7 @@
                     <a:lstStyle/>
                     <a:p>
                       <a:pPr algn="l" fontAlgn="b"/>
-                      <a:endParaRPr lang="en-US" sz="1200" b="0" i="0" u="none" strike="noStrike" dirty="0">
+                      <a:endParaRPr lang="en-US" sz="1300" b="0" i="0" u="none" strike="noStrike" dirty="0">
                         <a:solidFill>
                           <a:srgbClr val="000000"/>
                         </a:solidFill>
@@ -7391,7 +7389,7 @@
                       </a:endParaRPr>
                     </a:p>
                   </a:txBody>
-                  <a:tcPr marL="12700" marR="12700" marT="12700" marB="0" anchor="b">
+                  <a:tcPr marL="14261" marR="14261" marT="14261" marB="0" anchor="b">
                     <a:lnL>
                       <a:noFill/>
                     </a:lnL>
@@ -7407,15 +7405,15 @@
                   </a:tcPr>
                 </a:tc>
               </a:tr>
-              <a:tr h="190500">
-                <a:tc>
-                  <a:txBody>
-                    <a:bodyPr/>
-                    <a:lstStyle/>
-                    <a:p>
-                      <a:pPr algn="l" fontAlgn="b"/>
-                      <a:r>
-                        <a:rPr lang="en-US" sz="1200" b="0" i="0" u="none" strike="noStrike" dirty="0">
+              <a:tr h="219626">
+                <a:tc>
+                  <a:txBody>
+                    <a:bodyPr/>
+                    <a:lstStyle/>
+                    <a:p>
+                      <a:pPr algn="l" fontAlgn="b"/>
+                      <a:r>
+                        <a:rPr lang="en-US" sz="1300" b="0" i="0" u="none" strike="noStrike" dirty="0">
                           <a:solidFill>
                             <a:srgbClr val="000000"/>
                           </a:solidFill>
@@ -7426,7 +7424,7 @@
                       </a:r>
                     </a:p>
                   </a:txBody>
-                  <a:tcPr marL="12700" marR="12700" marT="12700" marB="0" anchor="b">
+                  <a:tcPr marL="14261" marR="14261" marT="14261" marB="0" anchor="b">
                     <a:lnL>
                       <a:noFill/>
                     </a:lnL>
@@ -7447,7 +7445,7 @@
                     <a:lstStyle/>
                     <a:p>
                       <a:pPr algn="l" fontAlgn="b"/>
-                      <a:endParaRPr lang="en-US" sz="1200" b="0" i="0" u="none" strike="noStrike" dirty="0">
+                      <a:endParaRPr lang="en-US" sz="1300" b="0" i="0" u="none" strike="noStrike" dirty="0">
                         <a:solidFill>
                           <a:srgbClr val="000000"/>
                         </a:solidFill>
@@ -7456,7 +7454,7 @@
                       </a:endParaRPr>
                     </a:p>
                   </a:txBody>
-                  <a:tcPr marL="12700" marR="12700" marT="12700" marB="0" anchor="b">
+                  <a:tcPr marL="14261" marR="14261" marT="14261" marB="0" anchor="b">
                     <a:lnL>
                       <a:noFill/>
                     </a:lnL>
@@ -7477,7 +7475,7 @@
                     <a:lstStyle/>
                     <a:p>
                       <a:pPr algn="l" fontAlgn="b"/>
-                      <a:endParaRPr lang="en-US" sz="1200" b="0" i="0" u="none" strike="noStrike" dirty="0">
+                      <a:endParaRPr lang="en-US" sz="1300" b="0" i="0" u="none" strike="noStrike" dirty="0">
                         <a:solidFill>
                           <a:srgbClr val="000000"/>
                         </a:solidFill>
@@ -7486,7 +7484,7 @@
                       </a:endParaRPr>
                     </a:p>
                   </a:txBody>
-                  <a:tcPr marL="12700" marR="12700" marT="12700" marB="0" anchor="b">
+                  <a:tcPr marL="14261" marR="14261" marT="14261" marB="0" anchor="b">
                     <a:lnL>
                       <a:noFill/>
                     </a:lnL>
@@ -7507,7 +7505,7 @@
                     <a:lstStyle/>
                     <a:p>
                       <a:pPr algn="l" fontAlgn="b"/>
-                      <a:endParaRPr lang="en-US" sz="1200" b="0" i="0" u="none" strike="noStrike" dirty="0">
+                      <a:endParaRPr lang="en-US" sz="1300" b="0" i="0" u="none" strike="noStrike" dirty="0">
                         <a:solidFill>
                           <a:srgbClr val="000000"/>
                         </a:solidFill>
@@ -7516,7 +7514,7 @@
                       </a:endParaRPr>
                     </a:p>
                   </a:txBody>
-                  <a:tcPr marL="12700" marR="12700" marT="12700" marB="0" anchor="b">
+                  <a:tcPr marL="14261" marR="14261" marT="14261" marB="0" anchor="b">
                     <a:lnL>
                       <a:noFill/>
                     </a:lnL>
@@ -7537,7 +7535,7 @@
                     <a:lstStyle/>
                     <a:p>
                       <a:pPr algn="l" fontAlgn="b"/>
-                      <a:endParaRPr lang="en-US" sz="1200" b="0" i="0" u="none" strike="noStrike" dirty="0">
+                      <a:endParaRPr lang="en-US" sz="1300" b="0" i="0" u="none" strike="noStrike" dirty="0">
                         <a:solidFill>
                           <a:srgbClr val="000000"/>
                         </a:solidFill>
@@ -7546,7 +7544,7 @@
                       </a:endParaRPr>
                     </a:p>
                   </a:txBody>
-                  <a:tcPr marL="12700" marR="12700" marT="12700" marB="0" anchor="b">
+                  <a:tcPr marL="14261" marR="14261" marT="14261" marB="0" anchor="b">
                     <a:lnL>
                       <a:noFill/>
                     </a:lnL>
@@ -7567,7 +7565,7 @@
                     <a:lstStyle/>
                     <a:p>
                       <a:pPr algn="l" fontAlgn="b"/>
-                      <a:endParaRPr lang="en-US" sz="1200" b="0" i="0" u="none" strike="noStrike" dirty="0">
+                      <a:endParaRPr lang="en-US" sz="1300" b="0" i="0" u="none" strike="noStrike" dirty="0">
                         <a:solidFill>
                           <a:srgbClr val="000000"/>
                         </a:solidFill>
@@ -7576,7 +7574,7 @@
                       </a:endParaRPr>
                     </a:p>
                   </a:txBody>
-                  <a:tcPr marL="12700" marR="12700" marT="12700" marB="0" anchor="b">
+                  <a:tcPr marL="14261" marR="14261" marT="14261" marB="0" anchor="b">
                     <a:lnL>
                       <a:noFill/>
                     </a:lnL>
@@ -7592,15 +7590,15 @@
                   </a:tcPr>
                 </a:tc>
               </a:tr>
-              <a:tr h="190500">
-                <a:tc>
-                  <a:txBody>
-                    <a:bodyPr/>
-                    <a:lstStyle/>
-                    <a:p>
-                      <a:pPr algn="l" fontAlgn="b"/>
-                      <a:r>
-                        <a:rPr lang="en-US" sz="1200" b="0" i="0" u="none" strike="noStrike" dirty="0">
+              <a:tr h="219626">
+                <a:tc>
+                  <a:txBody>
+                    <a:bodyPr/>
+                    <a:lstStyle/>
+                    <a:p>
+                      <a:pPr algn="l" fontAlgn="b"/>
+                      <a:r>
+                        <a:rPr lang="en-US" sz="1300" b="0" i="0" u="none" strike="noStrike" dirty="0">
                           <a:solidFill>
                             <a:srgbClr val="000000"/>
                           </a:solidFill>
@@ -7611,7 +7609,7 @@
                       </a:r>
                     </a:p>
                   </a:txBody>
-                  <a:tcPr marL="12700" marR="12700" marT="12700" marB="0" anchor="b">
+                  <a:tcPr marL="14261" marR="14261" marT="14261" marB="0" anchor="b">
                     <a:lnL>
                       <a:noFill/>
                     </a:lnL>
@@ -7632,7 +7630,7 @@
                     <a:lstStyle/>
                     <a:p>
                       <a:pPr algn="l" fontAlgn="b"/>
-                      <a:endParaRPr lang="en-US" sz="1200" b="0" i="0" u="none" strike="noStrike" dirty="0">
+                      <a:endParaRPr lang="en-US" sz="1300" b="0" i="0" u="none" strike="noStrike" dirty="0">
                         <a:solidFill>
                           <a:srgbClr val="000000"/>
                         </a:solidFill>
@@ -7641,7 +7639,7 @@
                       </a:endParaRPr>
                     </a:p>
                   </a:txBody>
-                  <a:tcPr marL="12700" marR="12700" marT="12700" marB="0" anchor="b">
+                  <a:tcPr marL="14261" marR="14261" marT="14261" marB="0" anchor="b">
                     <a:lnL>
                       <a:noFill/>
                     </a:lnL>
@@ -7662,7 +7660,7 @@
                     <a:lstStyle/>
                     <a:p>
                       <a:pPr algn="l" fontAlgn="b"/>
-                      <a:endParaRPr lang="en-US" sz="1200" b="0" i="0" u="none" strike="noStrike" dirty="0">
+                      <a:endParaRPr lang="en-US" sz="1300" b="0" i="0" u="none" strike="noStrike" dirty="0">
                         <a:solidFill>
                           <a:srgbClr val="000000"/>
                         </a:solidFill>
@@ -7671,7 +7669,7 @@
                       </a:endParaRPr>
                     </a:p>
                   </a:txBody>
-                  <a:tcPr marL="12700" marR="12700" marT="12700" marB="0" anchor="b">
+                  <a:tcPr marL="14261" marR="14261" marT="14261" marB="0" anchor="b">
                     <a:lnL>
                       <a:noFill/>
                     </a:lnL>
@@ -7692,7 +7690,7 @@
                     <a:lstStyle/>
                     <a:p>
                       <a:pPr algn="l" fontAlgn="b"/>
-                      <a:endParaRPr lang="en-US" sz="1200" b="0" i="0" u="none" strike="noStrike" dirty="0">
+                      <a:endParaRPr lang="en-US" sz="1300" b="0" i="0" u="none" strike="noStrike" dirty="0">
                         <a:solidFill>
                           <a:srgbClr val="000000"/>
                         </a:solidFill>
@@ -7701,7 +7699,7 @@
                       </a:endParaRPr>
                     </a:p>
                   </a:txBody>
-                  <a:tcPr marL="12700" marR="12700" marT="12700" marB="0" anchor="b">
+                  <a:tcPr marL="14261" marR="14261" marT="14261" marB="0" anchor="b">
                     <a:lnL>
                       <a:noFill/>
                     </a:lnL>
@@ -7722,7 +7720,7 @@
                     <a:lstStyle/>
                     <a:p>
                       <a:pPr algn="l" fontAlgn="b"/>
-                      <a:endParaRPr lang="en-US" sz="1200" b="0" i="0" u="none" strike="noStrike" dirty="0">
+                      <a:endParaRPr lang="en-US" sz="1300" b="0" i="0" u="none" strike="noStrike" dirty="0">
                         <a:solidFill>
                           <a:srgbClr val="000000"/>
                         </a:solidFill>
@@ -7731,7 +7729,7 @@
                       </a:endParaRPr>
                     </a:p>
                   </a:txBody>
-                  <a:tcPr marL="12700" marR="12700" marT="12700" marB="0" anchor="b">
+                  <a:tcPr marL="14261" marR="14261" marT="14261" marB="0" anchor="b">
                     <a:lnL>
                       <a:noFill/>
                     </a:lnL>
@@ -7752,7 +7750,7 @@
                     <a:lstStyle/>
                     <a:p>
                       <a:pPr algn="l" fontAlgn="b"/>
-                      <a:endParaRPr lang="en-US" sz="1200" b="0" i="0" u="none" strike="noStrike" dirty="0">
+                      <a:endParaRPr lang="en-US" sz="1300" b="0" i="0" u="none" strike="noStrike" dirty="0">
                         <a:solidFill>
                           <a:srgbClr val="000000"/>
                         </a:solidFill>
@@ -7761,7 +7759,7 @@
                       </a:endParaRPr>
                     </a:p>
                   </a:txBody>
-                  <a:tcPr marL="12700" marR="12700" marT="12700" marB="0" anchor="b">
+                  <a:tcPr marL="14261" marR="14261" marT="14261" marB="0" anchor="b">
                     <a:lnL>
                       <a:noFill/>
                     </a:lnL>
@@ -12992,15 +12990,7 @@
             </a:r>
             <a:r>
               <a:rPr lang="pt-BR" dirty="0" smtClean="0"/>
-              <a:t>(</a:t>
-            </a:r>
-            <a:r>
-              <a:rPr lang="pt-BR" dirty="0" smtClean="0"/>
-              <a:t>homocedasticidade</a:t>
-            </a:r>
-            <a:r>
-              <a:rPr lang="pt-BR" dirty="0" smtClean="0"/>
-              <a:t>)</a:t>
+              <a:t>(homocedasticidade)</a:t>
             </a:r>
             <a:endParaRPr lang="pt-BR" dirty="0"/>
           </a:p>
@@ -13033,11 +13023,7 @@
             </a:r>
             <a:r>
               <a:rPr lang="pt-BR" dirty="0" smtClean="0"/>
-              <a:t>mediana de todas as </a:t>
-            </a:r>
-            <a:r>
-              <a:rPr lang="pt-BR" dirty="0" smtClean="0"/>
-              <a:t>variáveis independentes, </a:t>
+              <a:t>mediana de todas as variáveis independentes, </a:t>
             </a:r>
             <a:r>
               <a:rPr lang="pt-BR" dirty="0"/>
@@ -13221,27 +13207,7 @@
             </a:r>
             <a:r>
               <a:rPr lang="pt-BR" b="1" dirty="0"/>
-              <a:t>-</a:t>
-            </a:r>
-            <a:r>
-              <a:rPr lang="pt-BR" b="1" dirty="0"/>
-              <a:t>Wilk</a:t>
-            </a:r>
-            <a:r>
-              <a:rPr lang="pt-BR" b="1" dirty="0"/>
-              <a:t> </a:t>
-            </a:r>
-            <a:r>
-              <a:rPr lang="pt-BR" b="1" dirty="0"/>
-              <a:t>normality</a:t>
-            </a:r>
-            <a:r>
-              <a:rPr lang="pt-BR" b="1" dirty="0"/>
-              <a:t> </a:t>
-            </a:r>
-            <a:r>
-              <a:rPr lang="pt-BR" b="1" dirty="0"/>
-              <a:t>test</a:t>
+              <a:t>-Wilk normality test</a:t>
             </a:r>
             <a:endParaRPr lang="en-US" b="1" dirty="0"/>
           </a:p>
@@ -13255,23 +13221,7 @@
             </a:r>
             <a:r>
               <a:rPr lang="pt-BR" dirty="0"/>
-              <a:t>:  </a:t>
-            </a:r>
-            <a:r>
-              <a:rPr lang="pt-BR" dirty="0"/>
-              <a:t>residuals</a:t>
-            </a:r>
-            <a:r>
-              <a:rPr lang="pt-BR" dirty="0"/>
-              <a:t>(</a:t>
-            </a:r>
-            <a:r>
-              <a:rPr lang="pt-BR" dirty="0"/>
-              <a:t>regressao</a:t>
-            </a:r>
-            <a:r>
-              <a:rPr lang="pt-BR" dirty="0"/>
-              <a:t>)</a:t>
+              <a:t>:  residuals(regressao)</a:t>
             </a:r>
             <a:endParaRPr lang="en-US" dirty="0"/>
           </a:p>
@@ -13289,15 +13239,7 @@
                   <a:srgbClr val="FF6600"/>
                 </a:solidFill>
               </a:rPr>
-              <a:t>p-value</a:t>
-            </a:r>
-            <a:r>
-              <a:rPr lang="pt-BR" b="1" dirty="0">
-                <a:solidFill>
-                  <a:srgbClr val="FF6600"/>
-                </a:solidFill>
-              </a:rPr>
-              <a:t> = 0.2487</a:t>
+              <a:t>p-value = 0.2487</a:t>
             </a:r>
             <a:endParaRPr lang="en-US" b="1" dirty="0">
               <a:solidFill>
@@ -13570,11 +13512,7 @@
           <a:p>
             <a:r>
               <a:rPr lang="pt-BR" b="1" dirty="0" smtClean="0"/>
-              <a:t>Ataque (vari</a:t>
-            </a:r>
-            <a:r>
-              <a:rPr lang="pt-BR" b="1" dirty="0" smtClean="0"/>
-              <a:t>ável latente exógena)</a:t>
+              <a:t>Ataque (variável latente exógena)</a:t>
             </a:r>
             <a:endParaRPr lang="pt-BR" dirty="0"/>
           </a:p>
@@ -13582,11 +13520,7 @@
             <a:pPr lvl="1"/>
             <a:r>
               <a:rPr lang="pt-BR" dirty="0" smtClean="0"/>
-              <a:t>Total de arremessos de tr</a:t>
-            </a:r>
-            <a:r>
-              <a:rPr lang="pt-BR" dirty="0" smtClean="0"/>
-              <a:t>ês convertidos</a:t>
+              <a:t>Total de arremessos de três convertidos</a:t>
             </a:r>
           </a:p>
           <a:p>
@@ -13604,11 +13538,7 @@
             <a:pPr lvl="1"/>
             <a:r>
               <a:rPr lang="pt-BR" dirty="0" smtClean="0"/>
-              <a:t>Total de assist</a:t>
-            </a:r>
-            <a:r>
-              <a:rPr lang="pt-BR" dirty="0" smtClean="0"/>
-              <a:t>ências (passe para cesta)</a:t>
+              <a:t>Total de assistências (passe para cesta)</a:t>
             </a:r>
             <a:endParaRPr lang="pt-BR" dirty="0"/>
           </a:p>
@@ -13653,11 +13583,7 @@
             </a:r>
             <a:r>
               <a:rPr lang="pt-BR" dirty="0" smtClean="0"/>
-              <a:t>atrav</a:t>
-            </a:r>
-            <a:r>
-              <a:rPr lang="pt-BR" dirty="0" smtClean="0"/>
-              <a:t>és de uma segunda chance</a:t>
+              <a:t>através de uma segunda chance</a:t>
             </a:r>
           </a:p>
           <a:p>
@@ -13677,7 +13603,6 @@
               <a:rPr lang="pt-BR" dirty="0" smtClean="0"/>
               <a:t>Total de pontos do adversário no garrafão</a:t>
             </a:r>
-            <a:endParaRPr lang="pt-BR" dirty="0" smtClean="0"/>
           </a:p>
           <a:p>
             <a:pPr lvl="1"/>
@@ -13961,11 +13886,7 @@
             <a:pPr lvl="1" algn="just"/>
             <a:r>
               <a:rPr lang="pt-BR" dirty="0" smtClean="0"/>
-              <a:t>Percentual de vit</a:t>
-            </a:r>
-            <a:r>
-              <a:rPr lang="pt-BR" dirty="0" smtClean="0"/>
-              <a:t>órias</a:t>
+              <a:t>Percentual de vitórias</a:t>
             </a:r>
             <a:endParaRPr lang="pt-BR" dirty="0"/>
           </a:p>
@@ -13977,23 +13898,7 @@
             <a:pPr algn="just"/>
             <a:r>
               <a:rPr lang="pt-BR" dirty="0" smtClean="0"/>
-              <a:t>Algumas vari</a:t>
-            </a:r>
-            <a:r>
-              <a:rPr lang="pt-BR" dirty="0" smtClean="0"/>
-              <a:t>áveis foram testadas, mas não </a:t>
-            </a:r>
-            <a:r>
-              <a:rPr lang="pt-BR" dirty="0" smtClean="0"/>
-              <a:t>apresentaram cargas fatoriais satisfatórias. </a:t>
-            </a:r>
-            <a:r>
-              <a:rPr lang="pt-BR" dirty="0" smtClean="0"/>
-              <a:t>Ex</a:t>
-            </a:r>
-            <a:r>
-              <a:rPr lang="pt-BR" dirty="0" smtClean="0"/>
-              <a:t>: número de rebotes defensivos, número de rebotes ofensivos, números de bolas roubadas, número de lances livres convertidos, número de arremessos de 2 pontos convertidos, etc.</a:t>
+              <a:t>Algumas variáveis foram testadas, mas não apresentaram cargas fatoriais satisfatórias. Ex: número de rebotes defensivos, número de rebotes ofensivos, números de bolas roubadas, número de lances livres convertidos, número de arremessos de 2 pontos convertidos, etc.</a:t>
             </a:r>
             <a:endParaRPr lang="pt-BR" dirty="0"/>
           </a:p>
@@ -14084,15 +13989,7 @@
           <a:p>
             <a:r>
               <a:rPr lang="pt-BR" b="1" dirty="0" smtClean="0"/>
-              <a:t>Mode</a:t>
-            </a:r>
-            <a:r>
-              <a:rPr lang="pt-BR" b="1" dirty="0" smtClean="0"/>
-              <a:t>lo de mensuraç</a:t>
-            </a:r>
-            <a:r>
-              <a:rPr lang="pt-BR" b="1" dirty="0" smtClean="0"/>
-              <a:t>ão</a:t>
+              <a:t>Modelo de mensuração</a:t>
             </a:r>
           </a:p>
           <a:p>
@@ -14153,7 +14050,6 @@
               <a:rPr lang="pt-BR" dirty="0" smtClean="0"/>
               <a:t>Multicolinearidade</a:t>
             </a:r>
-            <a:endParaRPr lang="pt-BR" dirty="0" smtClean="0"/>
           </a:p>
         </p:txBody>
       </p:sp>
@@ -14211,11 +14107,7 @@
           <a:p>
             <a:r>
               <a:rPr lang="pt-BR" dirty="0" smtClean="0"/>
-              <a:t>Modelo de mensuraç</a:t>
-            </a:r>
-            <a:r>
-              <a:rPr lang="pt-BR" dirty="0" smtClean="0"/>
-              <a:t>ão</a:t>
+              <a:t>Modelo de mensuração</a:t>
             </a:r>
             <a:endParaRPr lang="pt-BR" dirty="0"/>
           </a:p>
@@ -23435,11 +23327,15 @@
           <a:p>
             <a:r>
               <a:rPr lang="pt-BR" dirty="0"/>
-              <a:t>É possível verificar que as correlações entre as variáveis latentes são menores que a raiz quadrada da AVE, representada pela diagonal destacada em amarelo, portanto, o modelo apresenta validade discriminante</a:t>
+              <a:t>É possível verificar que as correlações entre as variáveis latentes são menores que a raiz quadrada da AVE, representada pela diagonal destacada em amarelo, portanto, o modelo apresenta validade </a:t>
+            </a:r>
+            <a:r>
+              <a:rPr lang="pt-BR" dirty="0" smtClean="0"/>
+              <a:t>discriminante</a:t>
             </a:r>
             <a:r>
               <a:rPr lang="en-US" dirty="0"/>
-              <a:t> </a:t>
+              <a:t>.</a:t>
             </a:r>
             <a:endParaRPr lang="pt-BR" dirty="0"/>
           </a:p>
@@ -29171,7 +29067,6 @@
               <a:rPr lang="pt-BR" dirty="0"/>
               <a:t>Multicolinearidade</a:t>
             </a:r>
-            <a:endParaRPr lang="pt-BR" dirty="0"/>
           </a:p>
         </p:txBody>
       </p:sp>
@@ -29476,351 +29371,6 @@
       </p:grpSpPr>
       <p:sp>
         <p:nvSpPr>
-          <p:cNvPr id="2" name="Title 1"/>
-          <p:cNvSpPr>
-            <a:spLocks noGrp="1"/>
-          </p:cNvSpPr>
-          <p:nvPr>
-            <p:ph type="title"/>
-          </p:nvPr>
-        </p:nvSpPr>
-        <p:spPr/>
-        <p:txBody>
-          <a:bodyPr/>
-          <a:lstStyle/>
-          <a:p>
-            <a:r>
-              <a:rPr lang="pt-BR" dirty="0" smtClean="0"/>
-              <a:t>Variáveis do modelo</a:t>
-            </a:r>
-            <a:endParaRPr lang="pt-BR" dirty="0"/>
-          </a:p>
-        </p:txBody>
-      </p:sp>
-      <p:sp>
-        <p:nvSpPr>
-          <p:cNvPr id="3" name="Content Placeholder 2"/>
-          <p:cNvSpPr>
-            <a:spLocks noGrp="1"/>
-          </p:cNvSpPr>
-          <p:nvPr>
-            <p:ph idx="1"/>
-          </p:nvPr>
-        </p:nvSpPr>
-        <p:spPr/>
-        <p:txBody>
-          <a:bodyPr>
-            <a:normAutofit/>
-          </a:bodyPr>
-          <a:lstStyle/>
-          <a:p>
-            <a:r>
-              <a:rPr lang="pt-BR" b="1" dirty="0" smtClean="0"/>
-              <a:t>Ataque (vari</a:t>
-            </a:r>
-            <a:r>
-              <a:rPr lang="pt-BR" b="1" dirty="0" smtClean="0"/>
-              <a:t>ável latente exógena)</a:t>
-            </a:r>
-            <a:endParaRPr lang="pt-BR" dirty="0"/>
-          </a:p>
-          <a:p>
-            <a:pPr lvl="1"/>
-            <a:r>
-              <a:rPr lang="pt-BR" dirty="0" smtClean="0"/>
-              <a:t>Total de arremessos de tr</a:t>
-            </a:r>
-            <a:r>
-              <a:rPr lang="pt-BR" dirty="0" smtClean="0"/>
-              <a:t>ês convertidos</a:t>
-            </a:r>
-          </a:p>
-          <a:p>
-            <a:pPr lvl="1"/>
-            <a:r>
-              <a:rPr lang="pt-BR" dirty="0"/>
-              <a:t>Total de arremessos </a:t>
-            </a:r>
-            <a:r>
-              <a:rPr lang="pt-BR" dirty="0" smtClean="0"/>
-              <a:t>convertidos</a:t>
-            </a:r>
-          </a:p>
-          <a:p>
-            <a:pPr lvl="1"/>
-            <a:r>
-              <a:rPr lang="pt-BR" dirty="0" smtClean="0"/>
-              <a:t>Total de assist</a:t>
-            </a:r>
-            <a:r>
-              <a:rPr lang="pt-BR" dirty="0" smtClean="0"/>
-              <a:t>ências (passe para cesta)</a:t>
-            </a:r>
-            <a:endParaRPr lang="pt-BR" dirty="0"/>
-          </a:p>
-          <a:p>
-            <a:pPr lvl="1"/>
-            <a:r>
-              <a:rPr lang="pt-BR" dirty="0" smtClean="0"/>
-              <a:t>Número de pontos da equipe</a:t>
-            </a:r>
-          </a:p>
-          <a:p>
-            <a:r>
-              <a:rPr lang="pt-BR" b="1" dirty="0"/>
-              <a:t>Defesa (variável latente exógena</a:t>
-            </a:r>
-            <a:r>
-              <a:rPr lang="pt-BR" b="1" dirty="0" smtClean="0"/>
-              <a:t>)</a:t>
-            </a:r>
-            <a:endParaRPr lang="pt-BR" dirty="0"/>
-          </a:p>
-          <a:p>
-            <a:pPr lvl="1"/>
-            <a:r>
-              <a:rPr lang="pt-BR" dirty="0" smtClean="0"/>
-              <a:t>Total </a:t>
-            </a:r>
-            <a:r>
-              <a:rPr lang="pt-BR" dirty="0"/>
-              <a:t>de pontos do adversário </a:t>
-            </a:r>
-            <a:r>
-              <a:rPr lang="pt-BR" dirty="0" smtClean="0"/>
-              <a:t>sem nenhum tipo de erro</a:t>
-            </a:r>
-          </a:p>
-          <a:p>
-            <a:pPr lvl="1"/>
-            <a:r>
-              <a:rPr lang="pt-BR" dirty="0"/>
-              <a:t>Total de pontos do adversário </a:t>
-            </a:r>
-            <a:r>
-              <a:rPr lang="pt-BR" dirty="0" smtClean="0"/>
-              <a:t>atrav</a:t>
-            </a:r>
-            <a:r>
-              <a:rPr lang="pt-BR" dirty="0" smtClean="0"/>
-              <a:t>és de uma segunda chance</a:t>
-            </a:r>
-          </a:p>
-          <a:p>
-            <a:pPr lvl="1"/>
-            <a:r>
-              <a:rPr lang="pt-BR" dirty="0"/>
-              <a:t>Total de pontos do adversário </a:t>
-            </a:r>
-            <a:r>
-              <a:rPr lang="pt-BR" dirty="0" smtClean="0"/>
-              <a:t>em contra ataque</a:t>
-            </a:r>
-          </a:p>
-          <a:p>
-            <a:pPr lvl="1"/>
-            <a:r>
-              <a:rPr lang="pt-BR" dirty="0" smtClean="0"/>
-              <a:t>Total de pontos do adversário no garrafão</a:t>
-            </a:r>
-            <a:endParaRPr lang="pt-BR" dirty="0" smtClean="0"/>
-          </a:p>
-          <a:p>
-            <a:pPr lvl="1"/>
-            <a:endParaRPr lang="pt-BR" dirty="0"/>
-          </a:p>
-          <a:p>
-            <a:pPr marL="0" indent="0">
-              <a:buNone/>
-            </a:pPr>
-            <a:endParaRPr lang="pt-BR" dirty="0"/>
-          </a:p>
-          <a:p>
-            <a:pPr marL="0" indent="0">
-              <a:buNone/>
-            </a:pPr>
-            <a:endParaRPr lang="pt-BR" dirty="0"/>
-          </a:p>
-        </p:txBody>
-      </p:sp>
-    </p:spTree>
-    <p:extLst>
-      <p:ext uri="{BB962C8B-B14F-4D97-AF65-F5344CB8AC3E}">
-        <p14:creationId xmlns:p14="http://schemas.microsoft.com/office/powerpoint/2010/main" val="1562107030"/>
-      </p:ext>
-    </p:extLst>
-  </p:cSld>
-  <p:clrMapOvr>
-    <a:masterClrMapping/>
-  </p:clrMapOvr>
-  <p:timing>
-    <p:tnLst>
-      <p:par>
-        <p:cTn xmlns:p14="http://schemas.microsoft.com/office/powerpoint/2010/main" id="1" dur="indefinite" restart="never" nodeType="tmRoot"/>
-      </p:par>
-    </p:tnLst>
-  </p:timing>
-</p:sld>
-</file>
-
-<file path=ppt/slides/slide36.xml><?xml version="1.0" encoding="utf-8"?>
-<p:sld xmlns:a="http://schemas.openxmlformats.org/drawingml/2006/main" xmlns:r="http://schemas.openxmlformats.org/officeDocument/2006/relationships" xmlns:p="http://schemas.openxmlformats.org/presentationml/2006/main">
-  <p:cSld>
-    <p:spTree>
-      <p:nvGrpSpPr>
-        <p:cNvPr id="1" name=""/>
-        <p:cNvGrpSpPr/>
-        <p:nvPr/>
-      </p:nvGrpSpPr>
-      <p:grpSpPr>
-        <a:xfrm>
-          <a:off x="0" y="0"/>
-          <a:ext cx="0" cy="0"/>
-          <a:chOff x="0" y="0"/>
-          <a:chExt cx="0" cy="0"/>
-        </a:xfrm>
-      </p:grpSpPr>
-      <p:sp>
-        <p:nvSpPr>
-          <p:cNvPr id="2" name="Title 1"/>
-          <p:cNvSpPr>
-            <a:spLocks noGrp="1"/>
-          </p:cNvSpPr>
-          <p:nvPr>
-            <p:ph type="title"/>
-          </p:nvPr>
-        </p:nvSpPr>
-        <p:spPr/>
-        <p:txBody>
-          <a:bodyPr/>
-          <a:lstStyle/>
-          <a:p>
-            <a:r>
-              <a:rPr lang="pt-BR" dirty="0" smtClean="0"/>
-              <a:t>Variáveis do modelo</a:t>
-            </a:r>
-            <a:endParaRPr lang="pt-BR" dirty="0"/>
-          </a:p>
-        </p:txBody>
-      </p:sp>
-      <p:sp>
-        <p:nvSpPr>
-          <p:cNvPr id="3" name="Content Placeholder 2"/>
-          <p:cNvSpPr>
-            <a:spLocks noGrp="1"/>
-          </p:cNvSpPr>
-          <p:nvPr>
-            <p:ph idx="1"/>
-          </p:nvPr>
-        </p:nvSpPr>
-        <p:spPr/>
-        <p:txBody>
-          <a:bodyPr>
-            <a:normAutofit/>
-          </a:bodyPr>
-          <a:lstStyle/>
-          <a:p>
-            <a:pPr algn="just"/>
-            <a:r>
-              <a:rPr lang="pt-BR" b="1" dirty="0" smtClean="0"/>
-              <a:t>Sucesso (</a:t>
-            </a:r>
-            <a:r>
-              <a:rPr lang="pt-BR" b="1" dirty="0"/>
-              <a:t>variável latente endógena</a:t>
-            </a:r>
-            <a:r>
-              <a:rPr lang="pt-BR" b="1" dirty="0" smtClean="0"/>
-              <a:t>)</a:t>
-            </a:r>
-          </a:p>
-          <a:p>
-            <a:pPr lvl="1" algn="just"/>
-            <a:r>
-              <a:rPr lang="pt-BR" dirty="0" smtClean="0"/>
-              <a:t>Percentual de vit</a:t>
-            </a:r>
-            <a:r>
-              <a:rPr lang="pt-BR" dirty="0" smtClean="0"/>
-              <a:t>órias</a:t>
-            </a:r>
-            <a:endParaRPr lang="pt-BR" dirty="0"/>
-          </a:p>
-          <a:p>
-            <a:pPr algn="just"/>
-            <a:endParaRPr lang="pt-BR" b="1" dirty="0" smtClean="0"/>
-          </a:p>
-          <a:p>
-            <a:pPr algn="just"/>
-            <a:r>
-              <a:rPr lang="pt-BR" dirty="0" smtClean="0"/>
-              <a:t>Algumas vari</a:t>
-            </a:r>
-            <a:r>
-              <a:rPr lang="pt-BR" dirty="0" smtClean="0"/>
-              <a:t>áveis foram testadas, mas não </a:t>
-            </a:r>
-            <a:r>
-              <a:rPr lang="pt-BR" dirty="0" smtClean="0"/>
-              <a:t>apresentaram cargas fatoriais satisfatórias. </a:t>
-            </a:r>
-            <a:r>
-              <a:rPr lang="pt-BR" dirty="0" smtClean="0"/>
-              <a:t>Ex</a:t>
-            </a:r>
-            <a:r>
-              <a:rPr lang="pt-BR" dirty="0" smtClean="0"/>
-              <a:t>: número de rebotes defensivos, número de rebotes ofensivos, números de bolas roubadas, número de lances livres convertidos, número de arremessos de 2 pontos convertidos, etc.</a:t>
-            </a:r>
-            <a:endParaRPr lang="pt-BR" dirty="0"/>
-          </a:p>
-          <a:p>
-            <a:pPr marL="0" indent="0" algn="just">
-              <a:buNone/>
-            </a:pPr>
-            <a:endParaRPr lang="pt-BR" dirty="0"/>
-          </a:p>
-        </p:txBody>
-      </p:sp>
-    </p:spTree>
-    <p:extLst>
-      <p:ext uri="{BB962C8B-B14F-4D97-AF65-F5344CB8AC3E}">
-        <p14:creationId xmlns:p14="http://schemas.microsoft.com/office/powerpoint/2010/main" val="2698649259"/>
-      </p:ext>
-    </p:extLst>
-  </p:cSld>
-  <p:clrMapOvr>
-    <a:masterClrMapping/>
-  </p:clrMapOvr>
-  <p:timing>
-    <p:tnLst>
-      <p:par>
-        <p:cTn xmlns:p14="http://schemas.microsoft.com/office/powerpoint/2010/main" id="1" dur="indefinite" restart="never" nodeType="tmRoot"/>
-      </p:par>
-    </p:tnLst>
-  </p:timing>
-</p:sld>
-</file>
-
-<file path=ppt/slides/slide37.xml><?xml version="1.0" encoding="utf-8"?>
-<p:sld xmlns:a="http://schemas.openxmlformats.org/drawingml/2006/main" xmlns:r="http://schemas.openxmlformats.org/officeDocument/2006/relationships" xmlns:p="http://schemas.openxmlformats.org/presentationml/2006/main">
-  <p:cSld>
-    <p:spTree>
-      <p:nvGrpSpPr>
-        <p:cNvPr id="1" name=""/>
-        <p:cNvGrpSpPr/>
-        <p:nvPr/>
-      </p:nvGrpSpPr>
-      <p:grpSpPr>
-        <a:xfrm>
-          <a:off x="0" y="0"/>
-          <a:ext cx="0" cy="0"/>
-          <a:chOff x="0" y="0"/>
-          <a:chExt cx="0" cy="0"/>
-        </a:xfrm>
-      </p:grpSpPr>
-      <p:sp>
-        <p:nvSpPr>
           <p:cNvPr id="4" name="Title 3"/>
           <p:cNvSpPr>
             <a:spLocks noGrp="1"/>
@@ -29836,11 +29386,7 @@
           <a:p>
             <a:r>
               <a:rPr lang="pt-BR" dirty="0" smtClean="0"/>
-              <a:t>D</a:t>
-            </a:r>
-            <a:r>
-              <a:rPr lang="pt-BR" dirty="0" smtClean="0"/>
-              <a:t>úvidas?</a:t>
+              <a:t>Dúvidas?</a:t>
             </a:r>
             <a:endParaRPr lang="pt-BR" dirty="0"/>
           </a:p>
@@ -29879,6 +29425,13 @@
   <p:clrMapOvr>
     <a:masterClrMapping/>
   </p:clrMapOvr>
+  <p:timing>
+    <p:tnLst>
+      <p:par>
+        <p:cTn xmlns:p14="http://schemas.microsoft.com/office/powerpoint/2010/main" id="1" dur="indefinite" restart="never" nodeType="tmRoot"/>
+      </p:par>
+    </p:tnLst>
+  </p:timing>
 </p:sld>
 </file>
 
@@ -30039,15 +29592,7 @@
             <a:pPr lvl="1"/>
             <a:r>
               <a:rPr lang="pt-BR" dirty="0" smtClean="0"/>
-              <a:t>Percentual de vitórias na temporada regular (</a:t>
-            </a:r>
-            <a:r>
-              <a:rPr lang="pt-BR" dirty="0" smtClean="0"/>
-              <a:t>win_percentage</a:t>
-            </a:r>
-            <a:r>
-              <a:rPr lang="pt-BR" dirty="0" smtClean="0"/>
-              <a:t>)</a:t>
+              <a:t>Percentual de vitórias na temporada regular (win_percentage)</a:t>
             </a:r>
           </a:p>
           <a:p>
@@ -30072,15 +29617,7 @@
             </a:r>
             <a:r>
               <a:rPr lang="pt-BR" dirty="0"/>
-              <a:t>pontos de quadra (</a:t>
-            </a:r>
-            <a:r>
-              <a:rPr lang="pt-BR" dirty="0"/>
-              <a:t>effective_field_goal_percentage</a:t>
-            </a:r>
-            <a:r>
-              <a:rPr lang="pt-BR" dirty="0"/>
-              <a:t>)</a:t>
+              <a:t>pontos de quadra (effective_field_goal_percentage)</a:t>
             </a:r>
             <a:endParaRPr lang="en-US" sz="3200" dirty="0"/>
           </a:p>
@@ -30088,15 +29625,7 @@
             <a:pPr lvl="1"/>
             <a:r>
               <a:rPr lang="pt-BR" dirty="0"/>
-              <a:t>Taxa de conversão dos lances livres (</a:t>
-            </a:r>
-            <a:r>
-              <a:rPr lang="pt-BR" dirty="0"/>
-              <a:t>free_throw_attempt_rate</a:t>
-            </a:r>
-            <a:r>
-              <a:rPr lang="pt-BR" dirty="0"/>
-              <a:t>)</a:t>
+              <a:t>Taxa de conversão dos lances livres (free_throw_attempt_rate)</a:t>
             </a:r>
             <a:endParaRPr lang="en-US" sz="3200" dirty="0"/>
           </a:p>
@@ -30104,15 +29633,7 @@
             <a:pPr lvl="1"/>
             <a:r>
               <a:rPr lang="pt-BR" dirty="0" smtClean="0"/>
-              <a:t>Percentual de erros por posse de bola (</a:t>
-            </a:r>
-            <a:r>
-              <a:rPr lang="pt-BR" dirty="0" smtClean="0"/>
-              <a:t>turnover_percentage</a:t>
-            </a:r>
-            <a:r>
-              <a:rPr lang="pt-BR" dirty="0" smtClean="0"/>
-              <a:t>)</a:t>
+              <a:t>Percentual de erros por posse de bola (turnover_percentage)</a:t>
             </a:r>
             <a:endParaRPr lang="en-US" sz="3200" dirty="0" smtClean="0"/>
           </a:p>
@@ -30124,15 +29645,7 @@
             </a:r>
             <a:r>
               <a:rPr lang="pt-BR" dirty="0"/>
-              <a:t>de rebotes ofensivos (</a:t>
-            </a:r>
-            <a:r>
-              <a:rPr lang="pt-BR" dirty="0"/>
-              <a:t>offensive_rebound_percentage</a:t>
-            </a:r>
-            <a:r>
-              <a:rPr lang="pt-BR" dirty="0"/>
-              <a:t>)</a:t>
+              <a:t>de rebotes ofensivos (offensive_rebound_percentage)</a:t>
             </a:r>
             <a:endParaRPr lang="en-US" sz="3200" dirty="0"/>
           </a:p>
@@ -30152,15 +29665,7 @@
             </a:r>
             <a:r>
               <a:rPr lang="pt-BR" dirty="0"/>
-              <a:t>pontos de quadra dos adversários (</a:t>
-            </a:r>
-            <a:r>
-              <a:rPr lang="pt-BR" dirty="0"/>
-              <a:t>opponent_effective_field_goal_percentage</a:t>
-            </a:r>
-            <a:r>
-              <a:rPr lang="pt-BR" dirty="0"/>
-              <a:t>)</a:t>
+              <a:t>pontos de quadra dos adversários (opponent_effective_field_goal_percentage)</a:t>
             </a:r>
             <a:endParaRPr lang="en-US" sz="3200" dirty="0"/>
           </a:p>
@@ -30168,15 +29673,7 @@
             <a:pPr lvl="1"/>
             <a:r>
               <a:rPr lang="pt-BR" dirty="0"/>
-              <a:t>Taxa de conversão dos lances livres dos adversários (</a:t>
-            </a:r>
-            <a:r>
-              <a:rPr lang="pt-BR" dirty="0"/>
-              <a:t>opponent_free_throw_attempted_rate</a:t>
-            </a:r>
-            <a:r>
-              <a:rPr lang="pt-BR" dirty="0"/>
-              <a:t>)</a:t>
+              <a:t>Taxa de conversão dos lances livres dos adversários (opponent_free_throw_attempted_rate)</a:t>
             </a:r>
             <a:endParaRPr lang="en-US" sz="3200" dirty="0"/>
           </a:p>
@@ -30184,15 +29681,7 @@
             <a:pPr lvl="1"/>
             <a:r>
               <a:rPr lang="pt-BR" dirty="0"/>
-              <a:t>Percentual de erros por posse de bola dos adversários (</a:t>
-            </a:r>
-            <a:r>
-              <a:rPr lang="pt-BR" dirty="0"/>
-              <a:t>opponent_turnover_percentage</a:t>
-            </a:r>
-            <a:r>
-              <a:rPr lang="pt-BR" dirty="0"/>
-              <a:t>)</a:t>
+              <a:t>Percentual de erros por posse de bola dos adversários (opponent_turnover_percentage)</a:t>
             </a:r>
             <a:endParaRPr lang="en-US" sz="3200" dirty="0"/>
           </a:p>
@@ -30200,15 +29689,7 @@
             <a:pPr lvl="1"/>
             <a:r>
               <a:rPr lang="pt-BR" dirty="0"/>
-              <a:t>Percentual de rebotes ofensivos dos adversários (</a:t>
-            </a:r>
-            <a:r>
-              <a:rPr lang="pt-BR" dirty="0"/>
-              <a:t>opponent_offensive_rebound_rate</a:t>
-            </a:r>
-            <a:r>
-              <a:rPr lang="pt-BR" dirty="0"/>
-              <a:t>)</a:t>
+              <a:t>Percentual de rebotes ofensivos dos adversários (opponent_offensive_rebound_rate)</a:t>
             </a:r>
             <a:endParaRPr lang="en-US" sz="3200" dirty="0"/>
           </a:p>
@@ -30326,11 +29807,7 @@
             <a:pPr lvl="1"/>
             <a:r>
               <a:rPr lang="pt-BR" dirty="0" smtClean="0"/>
-              <a:t>(Total </a:t>
-            </a:r>
-            <a:r>
-              <a:rPr lang="pt-BR" dirty="0" smtClean="0"/>
-              <a:t>de arremessos de quadra convertidos + 0,5*Total de arremessos de três pontos convertidos)/Total de arremessos de quadra tentados.</a:t>
+              <a:t>(Total de arremessos de quadra convertidos + 0,5*Total de arremessos de três pontos convertidos)/Total de arremessos de quadra tentados.</a:t>
             </a:r>
           </a:p>
           <a:p>
@@ -30602,8 +30079,13 @@
             </a:r>
             <a:r>
               <a:rPr lang="pt-BR" dirty="0"/>
-              <a:t>descritiva do percentual de vitória</a:t>
+              <a:t>descritiva do percentual de </a:t>
             </a:r>
+            <a:r>
+              <a:rPr lang="pt-BR" dirty="0" smtClean="0"/>
+              <a:t>vitórias</a:t>
+            </a:r>
+            <a:endParaRPr lang="pt-BR" dirty="0"/>
           </a:p>
         </p:txBody>
       </p:sp>
@@ -30749,8 +30231,13 @@
             </a:r>
             <a:r>
               <a:rPr lang="pt-BR" dirty="0"/>
-              <a:t>descritiva do percentual de vitória</a:t>
+              <a:t>descritiva do percentual de </a:t>
             </a:r>
+            <a:r>
+              <a:rPr lang="pt-BR" dirty="0" smtClean="0"/>
+              <a:t>vitórias</a:t>
+            </a:r>
+            <a:endParaRPr lang="pt-BR" dirty="0"/>
           </a:p>
         </p:txBody>
       </p:sp>
@@ -31091,7 +30578,7 @@
   <a:extraClrSchemeLst/>
   <a:extLst>
     <a:ext uri="{05A4C25C-085E-4340-85A3-A5531E510DB2}">
-      <thm15:themeFamily xmlns:thm15="http://schemas.microsoft.com/office/thememl/2012/main" xmlns="" name="Office Theme" id="{62F939B6-93AF-4DB8-9C6B-D6C7DFDC589F}" vid="{4A3C46E8-61CC-4603-A589-7422A47A8E4A}"/>
+      <thm15:themeFamily xmlns="" xmlns:thm15="http://schemas.microsoft.com/office/thememl/2012/main" name="Office Theme" id="{62F939B6-93AF-4DB8-9C6B-D6C7DFDC589F}" vid="{4A3C46E8-61CC-4603-A589-7422A47A8E4A}"/>
     </a:ext>
   </a:extLst>
 </a:theme>
